--- a/Poster_1/poster/poster.pptx
+++ b/Poster_1/poster/poster.pptx
@@ -104,6 +104,11 @@
       </a:defRPr>
     </a:lvl9pPr>
   </p:defaultTextStyle>
+  <p:extLst>
+    <p:ext uri="{EFAFB233-063F-42B5-8137-9DF3F51BA10A}">
+      <p15:sldGuideLst xmlns:p15="http://schemas.microsoft.com/office/powerpoint/2012/main"/>
+    </p:ext>
+  </p:extLst>
 </p:presentation>
 </file>
 
@@ -238,7 +243,7 @@
           <a:p>
             <a:fld id="{CE2BC6CD-206F-4FCE-8CF2-EEE386B53BF8}" type="datetimeFigureOut">
               <a:rPr lang="de-DE" smtClean="0"/>
-              <a:t>15.11.2022</a:t>
+              <a:t>16.11.2022</a:t>
             </a:fld>
             <a:endParaRPr lang="de-DE"/>
           </a:p>
@@ -408,7 +413,7 @@
           <a:p>
             <a:fld id="{CE2BC6CD-206F-4FCE-8CF2-EEE386B53BF8}" type="datetimeFigureOut">
               <a:rPr lang="de-DE" smtClean="0"/>
-              <a:t>15.11.2022</a:t>
+              <a:t>16.11.2022</a:t>
             </a:fld>
             <a:endParaRPr lang="de-DE"/>
           </a:p>
@@ -588,7 +593,7 @@
           <a:p>
             <a:fld id="{CE2BC6CD-206F-4FCE-8CF2-EEE386B53BF8}" type="datetimeFigureOut">
               <a:rPr lang="de-DE" smtClean="0"/>
-              <a:t>15.11.2022</a:t>
+              <a:t>16.11.2022</a:t>
             </a:fld>
             <a:endParaRPr lang="de-DE"/>
           </a:p>
@@ -1049,7 +1054,7 @@
           <a:p>
             <a:fld id="{CE2BC6CD-206F-4FCE-8CF2-EEE386B53BF8}" type="datetimeFigureOut">
               <a:rPr lang="de-DE" smtClean="0"/>
-              <a:t>15.11.2022</a:t>
+              <a:t>16.11.2022</a:t>
             </a:fld>
             <a:endParaRPr lang="de-DE"/>
           </a:p>
@@ -1293,7 +1298,7 @@
           <a:p>
             <a:fld id="{CE2BC6CD-206F-4FCE-8CF2-EEE386B53BF8}" type="datetimeFigureOut">
               <a:rPr lang="de-DE" smtClean="0"/>
-              <a:t>15.11.2022</a:t>
+              <a:t>16.11.2022</a:t>
             </a:fld>
             <a:endParaRPr lang="de-DE"/>
           </a:p>
@@ -1525,7 +1530,7 @@
           <a:p>
             <a:fld id="{CE2BC6CD-206F-4FCE-8CF2-EEE386B53BF8}" type="datetimeFigureOut">
               <a:rPr lang="de-DE" smtClean="0"/>
-              <a:t>15.11.2022</a:t>
+              <a:t>16.11.2022</a:t>
             </a:fld>
             <a:endParaRPr lang="de-DE"/>
           </a:p>
@@ -1892,7 +1897,7 @@
           <a:p>
             <a:fld id="{CE2BC6CD-206F-4FCE-8CF2-EEE386B53BF8}" type="datetimeFigureOut">
               <a:rPr lang="de-DE" smtClean="0"/>
-              <a:t>15.11.2022</a:t>
+              <a:t>16.11.2022</a:t>
             </a:fld>
             <a:endParaRPr lang="de-DE"/>
           </a:p>
@@ -2010,7 +2015,7 @@
           <a:p>
             <a:fld id="{CE2BC6CD-206F-4FCE-8CF2-EEE386B53BF8}" type="datetimeFigureOut">
               <a:rPr lang="de-DE" smtClean="0"/>
-              <a:t>15.11.2022</a:t>
+              <a:t>16.11.2022</a:t>
             </a:fld>
             <a:endParaRPr lang="de-DE"/>
           </a:p>
@@ -2105,7 +2110,7 @@
           <a:p>
             <a:fld id="{CE2BC6CD-206F-4FCE-8CF2-EEE386B53BF8}" type="datetimeFigureOut">
               <a:rPr lang="de-DE" smtClean="0"/>
-              <a:t>15.11.2022</a:t>
+              <a:t>16.11.2022</a:t>
             </a:fld>
             <a:endParaRPr lang="de-DE"/>
           </a:p>
@@ -2382,7 +2387,7 @@
           <a:p>
             <a:fld id="{CE2BC6CD-206F-4FCE-8CF2-EEE386B53BF8}" type="datetimeFigureOut">
               <a:rPr lang="de-DE" smtClean="0"/>
-              <a:t>15.11.2022</a:t>
+              <a:t>16.11.2022</a:t>
             </a:fld>
             <a:endParaRPr lang="de-DE"/>
           </a:p>
@@ -2639,7 +2644,7 @@
           <a:p>
             <a:fld id="{CE2BC6CD-206F-4FCE-8CF2-EEE386B53BF8}" type="datetimeFigureOut">
               <a:rPr lang="de-DE" smtClean="0"/>
-              <a:t>15.11.2022</a:t>
+              <a:t>16.11.2022</a:t>
             </a:fld>
             <a:endParaRPr lang="de-DE"/>
           </a:p>
@@ -2852,7 +2857,7 @@
           <a:p>
             <a:fld id="{CE2BC6CD-206F-4FCE-8CF2-EEE386B53BF8}" type="datetimeFigureOut">
               <a:rPr lang="de-DE" smtClean="0"/>
-              <a:t>15.11.2022</a:t>
+              <a:t>16.11.2022</a:t>
             </a:fld>
             <a:endParaRPr lang="de-DE"/>
           </a:p>
@@ -4630,7 +4635,7 @@
                 <a:latin typeface="Consolas" panose="020B0609020204030204" pitchFamily="49" charset="0"/>
                 <a:cs typeface="Poppins" panose="00000500000000000000" pitchFamily="2" charset="0"/>
               </a:rPr>
-              <a:t>(x100) </a:t>
+              <a:t>(x10) </a:t>
             </a:r>
             <a:r>
               <a:rPr lang="en-GB" kern="0" dirty="0" err="1">
@@ -4713,7 +4718,7 @@
                 <a:latin typeface="Consolas" panose="020B0609020204030204" pitchFamily="49" charset="0"/>
                 <a:cs typeface="Poppins" panose="00000500000000000000" pitchFamily="2" charset="0"/>
               </a:rPr>
-              <a:t>(x100) </a:t>
+              <a:t>(x10) </a:t>
             </a:r>
             <a:r>
               <a:rPr lang="en-GB" kern="0" dirty="0" err="1">
@@ -4813,7 +4818,7 @@
                 <a:latin typeface="Consolas" panose="020B0609020204030204" pitchFamily="49" charset="0"/>
                 <a:cs typeface="Poppins" panose="00000500000000000000" pitchFamily="2" charset="0"/>
               </a:rPr>
-              <a:t>(x100) </a:t>
+              <a:t>(x10) </a:t>
             </a:r>
             <a:r>
               <a:rPr lang="en-GB" kern="0" dirty="0" err="1">
@@ -4905,13 +4910,16 @@
               </a:rPr>
               <a:t>Raum</a:t>
             </a:r>
-            <a:endParaRPr lang="en-GB" kern="0" dirty="0">
-              <a:solidFill>
-                <a:srgbClr val="545454"/>
-              </a:solidFill>
-              <a:latin typeface="Poppins" panose="00000500000000000000" pitchFamily="2" charset="0"/>
-              <a:cs typeface="Poppins" panose="00000500000000000000" pitchFamily="2" charset="0"/>
-            </a:endParaRPr>
+            <a:r>
+              <a:rPr lang="en-GB" kern="0" dirty="0">
+                <a:solidFill>
+                  <a:srgbClr val="545454"/>
+                </a:solidFill>
+                <a:latin typeface="Poppins" panose="00000500000000000000" pitchFamily="2" charset="0"/>
+                <a:cs typeface="Poppins" panose="00000500000000000000" pitchFamily="2" charset="0"/>
+              </a:rPr>
+              <a:t> </a:t>
+            </a:r>
           </a:p>
           <a:p>
             <a:pPr marL="285750" indent="-285750" defTabSz="874705">
@@ -4933,87 +4941,7 @@
                 <a:latin typeface="Consolas" panose="020B0609020204030204" pitchFamily="49" charset="0"/>
                 <a:cs typeface="Poppins" panose="00000500000000000000" pitchFamily="2" charset="0"/>
               </a:rPr>
-              <a:t>(x20) </a:t>
-            </a:r>
-            <a:r>
-              <a:rPr lang="en-GB" kern="0" dirty="0" err="1">
-                <a:solidFill>
-                  <a:srgbClr val="545454"/>
-                </a:solidFill>
-                <a:latin typeface="Poppins" panose="00000500000000000000" pitchFamily="2" charset="0"/>
-                <a:cs typeface="Poppins" panose="00000500000000000000" pitchFamily="2" charset="0"/>
-              </a:rPr>
-              <a:t>Anzahl</a:t>
-            </a:r>
-            <a:r>
-              <a:rPr lang="en-GB" kern="0" dirty="0">
-                <a:solidFill>
-                  <a:srgbClr val="545454"/>
-                </a:solidFill>
-                <a:latin typeface="Poppins" panose="00000500000000000000" pitchFamily="2" charset="0"/>
-                <a:cs typeface="Poppins" panose="00000500000000000000" pitchFamily="2" charset="0"/>
-              </a:rPr>
-              <a:t> der </a:t>
-            </a:r>
-            <a:r>
-              <a:rPr lang="en-GB" kern="0" dirty="0" err="1">
-                <a:solidFill>
-                  <a:srgbClr val="545454"/>
-                </a:solidFill>
-                <a:latin typeface="Poppins" panose="00000500000000000000" pitchFamily="2" charset="0"/>
-                <a:cs typeface="Poppins" panose="00000500000000000000" pitchFamily="2" charset="0"/>
-              </a:rPr>
-              <a:t>verwendeten</a:t>
-            </a:r>
-            <a:r>
-              <a:rPr lang="en-GB" kern="0" dirty="0">
-                <a:solidFill>
-                  <a:srgbClr val="545454"/>
-                </a:solidFill>
-                <a:latin typeface="Poppins" panose="00000500000000000000" pitchFamily="2" charset="0"/>
-                <a:cs typeface="Poppins" panose="00000500000000000000" pitchFamily="2" charset="0"/>
-              </a:rPr>
-              <a:t> </a:t>
-            </a:r>
-            <a:r>
-              <a:rPr lang="en-GB" kern="0" dirty="0" err="1">
-                <a:solidFill>
-                  <a:srgbClr val="545454"/>
-                </a:solidFill>
-                <a:latin typeface="Poppins" panose="00000500000000000000" pitchFamily="2" charset="0"/>
-                <a:cs typeface="Poppins" panose="00000500000000000000" pitchFamily="2" charset="0"/>
-              </a:rPr>
-              <a:t>Räume</a:t>
-            </a:r>
-            <a:endParaRPr lang="en-GB" kern="0" dirty="0">
-              <a:solidFill>
-                <a:srgbClr val="545454"/>
-              </a:solidFill>
-              <a:latin typeface="Poppins" panose="00000500000000000000" pitchFamily="2" charset="0"/>
-              <a:cs typeface="Poppins" panose="00000500000000000000" pitchFamily="2" charset="0"/>
-            </a:endParaRPr>
-          </a:p>
-          <a:p>
-            <a:pPr marL="285750" indent="-285750" defTabSz="874705">
-              <a:spcAft>
-                <a:spcPts val="200"/>
-              </a:spcAft>
-              <a:buClr>
-                <a:srgbClr val="0283AD"/>
-              </a:buClr>
-              <a:buFontTx/>
-              <a:buChar char="-"/>
-              <a:defRPr/>
-            </a:pPr>
-            <a:r>
-              <a:rPr lang="en-GB" kern="0" dirty="0">
-                <a:solidFill>
-                  <a:srgbClr val="545454"/>
-                </a:solidFill>
-                <a:latin typeface="Consolas" panose="020B0609020204030204" pitchFamily="49" charset="0"/>
-                <a:cs typeface="Poppins" panose="00000500000000000000" pitchFamily="2" charset="0"/>
-              </a:rPr>
-              <a:t>(x5) </a:t>
+              <a:t>(x01) </a:t>
             </a:r>
             <a:r>
               <a:rPr lang="en-GB" kern="0" dirty="0" err="1">
@@ -6067,10 +5995,10 @@
       </p:grpSp>
       <p:grpSp>
         <p:nvGrpSpPr>
-          <p:cNvPr id="10" name="Gruppieren 9">
+          <p:cNvPr id="6" name="Gruppieren 5">
             <a:extLst>
               <a:ext uri="{FF2B5EF4-FFF2-40B4-BE49-F238E27FC236}">
-                <a16:creationId xmlns:a16="http://schemas.microsoft.com/office/drawing/2014/main" id="{3513E9C2-921A-47A1-64F2-1BF4CDB42A63}"/>
+                <a16:creationId xmlns:a16="http://schemas.microsoft.com/office/drawing/2014/main" id="{1D340A5F-3B20-E7C5-4EAD-90F8F3278D39}"/>
               </a:ext>
             </a:extLst>
           </p:cNvPr>
@@ -6079,219 +6007,197 @@
         </p:nvGrpSpPr>
         <p:grpSpPr>
           <a:xfrm>
-            <a:off x="8417574" y="1536700"/>
-            <a:ext cx="4548476" cy="2629165"/>
-            <a:chOff x="7410360" y="5607870"/>
-            <a:chExt cx="4309667" cy="2509535"/>
+            <a:off x="8978318" y="1675510"/>
+            <a:ext cx="4504205" cy="1509354"/>
+            <a:chOff x="7431334" y="6623074"/>
+            <a:chExt cx="4267720" cy="3292860"/>
           </a:xfrm>
         </p:grpSpPr>
-        <p:grpSp>
-          <p:nvGrpSpPr>
-            <p:cNvPr id="6" name="Gruppieren 5">
+        <p:sp>
+          <p:nvSpPr>
+            <p:cNvPr id="48" name="Rectangle 47">
               <a:extLst>
                 <a:ext uri="{FF2B5EF4-FFF2-40B4-BE49-F238E27FC236}">
-                  <a16:creationId xmlns:a16="http://schemas.microsoft.com/office/drawing/2014/main" id="{1D340A5F-3B20-E7C5-4EAD-90F8F3278D39}"/>
+                  <a16:creationId xmlns:a16="http://schemas.microsoft.com/office/drawing/2014/main" id="{AE83BAD3-E705-4528-AF24-012B39992A5C}"/>
                 </a:ext>
               </a:extLst>
             </p:cNvPr>
-            <p:cNvGrpSpPr/>
+            <p:cNvSpPr>
+              <a:spLocks/>
+            </p:cNvSpPr>
             <p:nvPr/>
-          </p:nvGrpSpPr>
-          <p:grpSpPr>
-            <a:xfrm>
-              <a:off x="7431334" y="5762625"/>
-              <a:ext cx="4267720" cy="2354780"/>
-              <a:chOff x="7431334" y="6623074"/>
-              <a:chExt cx="4267720" cy="3292860"/>
-            </a:xfrm>
-          </p:grpSpPr>
-          <p:sp>
-            <p:nvSpPr>
-              <p:cNvPr id="48" name="Rectangle 47">
-                <a:extLst>
-                  <a:ext uri="{FF2B5EF4-FFF2-40B4-BE49-F238E27FC236}">
-                    <a16:creationId xmlns:a16="http://schemas.microsoft.com/office/drawing/2014/main" id="{AE83BAD3-E705-4528-AF24-012B39992A5C}"/>
-                  </a:ext>
-                </a:extLst>
-              </p:cNvPr>
-              <p:cNvSpPr>
-                <a:spLocks/>
-              </p:cNvSpPr>
-              <p:nvPr/>
-            </p:nvSpPr>
-            <p:spPr>
-              <a:xfrm>
-                <a:off x="7431334" y="6623074"/>
-                <a:ext cx="4267720" cy="2644784"/>
-              </a:xfrm>
-              <a:prstGeom prst="rect">
-                <a:avLst/>
-              </a:prstGeom>
-              <a:solidFill>
-                <a:sysClr val="window" lastClr="FFFFFF"/>
-              </a:solidFill>
-              <a:ln w="50800" cap="sq" cmpd="sng" algn="ctr">
-                <a:solidFill>
-                  <a:srgbClr val="0283AD"/>
-                </a:solidFill>
-                <a:prstDash val="solid"/>
-                <a:miter lim="800000"/>
-              </a:ln>
-              <a:effectLst/>
-            </p:spPr>
-            <p:txBody>
-              <a:bodyPr rot="0" spcFirstLastPara="0" vertOverflow="overflow" horzOverflow="overflow" vert="horz" wrap="square" lIns="88856" tIns="88856" rIns="88856" bIns="88856" numCol="1" spcCol="0" rtlCol="0" fromWordArt="0" anchor="ctr" anchorCtr="0" forceAA="0" compatLnSpc="1">
-                <a:prstTxWarp prst="textNoShape">
-                  <a:avLst/>
-                </a:prstTxWarp>
-                <a:normAutofit/>
-              </a:bodyPr>
-              <a:lstStyle/>
-              <a:p>
-                <a:pPr algn="ctr" defTabSz="874705">
-                  <a:defRPr/>
-                </a:pPr>
-                <a:endParaRPr lang="en-GB" sz="1398" i="1" kern="0" dirty="0">
-                  <a:solidFill>
-                    <a:srgbClr val="545454"/>
-                  </a:solidFill>
-                  <a:latin typeface="Poppins" panose="00000500000000000000" pitchFamily="2" charset="0"/>
-                  <a:cs typeface="Poppins" panose="00000500000000000000" pitchFamily="2" charset="0"/>
-                </a:endParaRPr>
-              </a:p>
-            </p:txBody>
-          </p:sp>
-          <p:sp>
-            <p:nvSpPr>
-              <p:cNvPr id="49" name="Rectangle 48">
-                <a:extLst>
-                  <a:ext uri="{FF2B5EF4-FFF2-40B4-BE49-F238E27FC236}">
-                    <a16:creationId xmlns:a16="http://schemas.microsoft.com/office/drawing/2014/main" id="{496B61FC-EB15-4B6B-A4B5-7CFE141BAC81}"/>
-                  </a:ext>
-                </a:extLst>
-              </p:cNvPr>
-              <p:cNvSpPr/>
-              <p:nvPr/>
-            </p:nvSpPr>
-            <p:spPr>
-              <a:xfrm>
-                <a:off x="7431334" y="9267860"/>
-                <a:ext cx="4267720" cy="648074"/>
-              </a:xfrm>
-              <a:prstGeom prst="rect">
-                <a:avLst/>
-              </a:prstGeom>
-              <a:solidFill>
-                <a:srgbClr val="0283AD"/>
-              </a:solidFill>
-              <a:ln w="50800" cap="sq" cmpd="sng" algn="ctr">
-                <a:solidFill>
-                  <a:srgbClr val="0283AD"/>
-                </a:solidFill>
-                <a:prstDash val="solid"/>
-                <a:miter lim="800000"/>
-              </a:ln>
-              <a:effectLst/>
-            </p:spPr>
-            <p:txBody>
-              <a:bodyPr rot="0" spcFirstLastPara="0" vertOverflow="overflow" horzOverflow="overflow" vert="horz" wrap="square" lIns="88856" tIns="88856" rIns="88856" bIns="88856" numCol="1" spcCol="0" rtlCol="0" fromWordArt="0" anchor="ctr" anchorCtr="0" forceAA="0" compatLnSpc="1">
-                <a:prstTxWarp prst="textNoShape">
-                  <a:avLst/>
-                </a:prstTxWarp>
-                <a:normAutofit/>
-              </a:bodyPr>
-              <a:lstStyle/>
-              <a:p>
-                <a:pPr defTabSz="874705">
-                  <a:defRPr/>
-                </a:pPr>
-                <a:r>
-                  <a:rPr lang="en-GB" sz="1398" kern="0" dirty="0" err="1">
-                    <a:solidFill>
-                      <a:srgbClr val="FFFFFF"/>
-                    </a:solidFill>
-                    <a:latin typeface="Poppins" panose="00000500000000000000" pitchFamily="2" charset="0"/>
-                    <a:cs typeface="Poppins" panose="00000500000000000000" pitchFamily="2" charset="0"/>
-                  </a:rPr>
-                  <a:t>Kodierung</a:t>
-                </a:r>
-                <a:r>
-                  <a:rPr lang="en-GB" sz="1398" kern="0" dirty="0">
-                    <a:solidFill>
-                      <a:srgbClr val="FFFFFF"/>
-                    </a:solidFill>
-                    <a:latin typeface="Poppins" panose="00000500000000000000" pitchFamily="2" charset="0"/>
-                    <a:cs typeface="Poppins" panose="00000500000000000000" pitchFamily="2" charset="0"/>
-                  </a:rPr>
-                  <a:t> des </a:t>
-                </a:r>
-                <a:r>
-                  <a:rPr lang="en-GB" sz="1398" kern="0" dirty="0" err="1">
-                    <a:solidFill>
-                      <a:srgbClr val="FFFFFF"/>
-                    </a:solidFill>
-                    <a:latin typeface="Poppins" panose="00000500000000000000" pitchFamily="2" charset="0"/>
-                    <a:cs typeface="Poppins" panose="00000500000000000000" pitchFamily="2" charset="0"/>
-                  </a:rPr>
-                  <a:t>Stundenplans</a:t>
-                </a:r>
-                <a:r>
-                  <a:rPr lang="en-GB" sz="1398" kern="0" dirty="0">
-                    <a:solidFill>
-                      <a:srgbClr val="FFFFFF"/>
-                    </a:solidFill>
-                    <a:latin typeface="Poppins" panose="00000500000000000000" pitchFamily="2" charset="0"/>
-                    <a:cs typeface="Poppins" panose="00000500000000000000" pitchFamily="2" charset="0"/>
-                  </a:rPr>
-                  <a:t> in C++</a:t>
-                </a:r>
-              </a:p>
-            </p:txBody>
-          </p:sp>
-        </p:grpSp>
-        <p:pic>
-          <p:nvPicPr>
-            <p:cNvPr id="8" name="Grafik 7" descr="struct Stundenplan {&#10;    int modules[TOTAL_MODULES][3]; &#10;    int calculateFitness();&#10;};">
-              <a:extLst>
-                <a:ext uri="{FF2B5EF4-FFF2-40B4-BE49-F238E27FC236}">
-                  <a16:creationId xmlns:a16="http://schemas.microsoft.com/office/drawing/2014/main" id="{FC74EAA8-6B0C-FDEF-D4E3-147BDB674BD0}"/>
-                </a:ext>
-              </a:extLst>
-            </p:cNvPr>
-            <p:cNvPicPr>
-              <a:picLocks noChangeAspect="1"/>
-            </p:cNvPicPr>
-            <p:nvPr/>
-          </p:nvPicPr>
-          <p:blipFill>
-            <a:blip r:embed="rId2">
-              <a:extLst>
-                <a:ext uri="{28A0092B-C50C-407E-A947-70E740481C1C}">
-                  <a14:useLocalDpi xmlns:a14="http://schemas.microsoft.com/office/drawing/2010/main" val="0"/>
-                </a:ext>
-              </a:extLst>
-            </a:blip>
-            <a:stretch>
-              <a:fillRect/>
-            </a:stretch>
-          </p:blipFill>
+          </p:nvSpPr>
           <p:spPr>
             <a:xfrm>
-              <a:off x="7410360" y="5607870"/>
-              <a:ext cx="4309667" cy="2032862"/>
+              <a:off x="7431334" y="6623074"/>
+              <a:ext cx="4267720" cy="2644784"/>
             </a:xfrm>
             <a:prstGeom prst="rect">
               <a:avLst/>
             </a:prstGeom>
+            <a:solidFill>
+              <a:sysClr val="window" lastClr="FFFFFF"/>
+            </a:solidFill>
+            <a:ln w="50800" cap="sq" cmpd="sng" algn="ctr">
+              <a:solidFill>
+                <a:srgbClr val="0283AD"/>
+              </a:solidFill>
+              <a:prstDash val="solid"/>
+              <a:miter lim="800000"/>
+            </a:ln>
+            <a:effectLst/>
           </p:spPr>
-        </p:pic>
+          <p:txBody>
+            <a:bodyPr rot="0" spcFirstLastPara="0" vertOverflow="overflow" horzOverflow="overflow" vert="horz" wrap="square" lIns="88856" tIns="88856" rIns="88856" bIns="88856" numCol="1" spcCol="0" rtlCol="0" fromWordArt="0" anchor="ctr" anchorCtr="0" forceAA="0" compatLnSpc="1">
+              <a:prstTxWarp prst="textNoShape">
+                <a:avLst/>
+              </a:prstTxWarp>
+              <a:normAutofit/>
+            </a:bodyPr>
+            <a:lstStyle/>
+            <a:p>
+              <a:pPr algn="ctr" defTabSz="874705">
+                <a:defRPr/>
+              </a:pPr>
+              <a:endParaRPr lang="en-GB" sz="1398" i="1" kern="0" dirty="0">
+                <a:solidFill>
+                  <a:srgbClr val="545454"/>
+                </a:solidFill>
+                <a:latin typeface="Poppins" panose="00000500000000000000" pitchFamily="2" charset="0"/>
+                <a:cs typeface="Poppins" panose="00000500000000000000" pitchFamily="2" charset="0"/>
+              </a:endParaRPr>
+            </a:p>
+          </p:txBody>
+        </p:sp>
+        <p:sp>
+          <p:nvSpPr>
+            <p:cNvPr id="49" name="Rectangle 48">
+              <a:extLst>
+                <a:ext uri="{FF2B5EF4-FFF2-40B4-BE49-F238E27FC236}">
+                  <a16:creationId xmlns:a16="http://schemas.microsoft.com/office/drawing/2014/main" id="{496B61FC-EB15-4B6B-A4B5-7CFE141BAC81}"/>
+                </a:ext>
+              </a:extLst>
+            </p:cNvPr>
+            <p:cNvSpPr/>
+            <p:nvPr/>
+          </p:nvSpPr>
+          <p:spPr>
+            <a:xfrm>
+              <a:off x="7431334" y="9267860"/>
+              <a:ext cx="4267720" cy="648074"/>
+            </a:xfrm>
+            <a:prstGeom prst="rect">
+              <a:avLst/>
+            </a:prstGeom>
+            <a:solidFill>
+              <a:srgbClr val="0283AD"/>
+            </a:solidFill>
+            <a:ln w="50800" cap="sq" cmpd="sng" algn="ctr">
+              <a:solidFill>
+                <a:srgbClr val="0283AD"/>
+              </a:solidFill>
+              <a:prstDash val="solid"/>
+              <a:miter lim="800000"/>
+            </a:ln>
+            <a:effectLst/>
+          </p:spPr>
+          <p:txBody>
+            <a:bodyPr rot="0" spcFirstLastPara="0" vertOverflow="overflow" horzOverflow="overflow" vert="horz" wrap="square" lIns="88856" tIns="88856" rIns="88856" bIns="88856" numCol="1" spcCol="0" rtlCol="0" fromWordArt="0" anchor="ctr" anchorCtr="0" forceAA="0" compatLnSpc="1">
+              <a:prstTxWarp prst="textNoShape">
+                <a:avLst/>
+              </a:prstTxWarp>
+              <a:normAutofit/>
+            </a:bodyPr>
+            <a:lstStyle/>
+            <a:p>
+              <a:pPr defTabSz="874705">
+                <a:defRPr/>
+              </a:pPr>
+              <a:r>
+                <a:rPr lang="en-GB" sz="1398" kern="0" dirty="0" err="1">
+                  <a:solidFill>
+                    <a:srgbClr val="FFFFFF"/>
+                  </a:solidFill>
+                  <a:latin typeface="Poppins" panose="00000500000000000000" pitchFamily="2" charset="0"/>
+                  <a:cs typeface="Poppins" panose="00000500000000000000" pitchFamily="2" charset="0"/>
+                </a:rPr>
+                <a:t>Kodierung</a:t>
+              </a:r>
+              <a:r>
+                <a:rPr lang="en-GB" sz="1398" kern="0" dirty="0">
+                  <a:solidFill>
+                    <a:srgbClr val="FFFFFF"/>
+                  </a:solidFill>
+                  <a:latin typeface="Poppins" panose="00000500000000000000" pitchFamily="2" charset="0"/>
+                  <a:cs typeface="Poppins" panose="00000500000000000000" pitchFamily="2" charset="0"/>
+                </a:rPr>
+                <a:t> des </a:t>
+              </a:r>
+              <a:r>
+                <a:rPr lang="en-GB" sz="1398" kern="0" dirty="0" err="1">
+                  <a:solidFill>
+                    <a:srgbClr val="FFFFFF"/>
+                  </a:solidFill>
+                  <a:latin typeface="Poppins" panose="00000500000000000000" pitchFamily="2" charset="0"/>
+                  <a:cs typeface="Poppins" panose="00000500000000000000" pitchFamily="2" charset="0"/>
+                </a:rPr>
+                <a:t>Stundenplans</a:t>
+              </a:r>
+              <a:r>
+                <a:rPr lang="en-GB" sz="1398" kern="0" dirty="0">
+                  <a:solidFill>
+                    <a:srgbClr val="FFFFFF"/>
+                  </a:solidFill>
+                  <a:latin typeface="Poppins" panose="00000500000000000000" pitchFamily="2" charset="0"/>
+                  <a:cs typeface="Poppins" panose="00000500000000000000" pitchFamily="2" charset="0"/>
+                </a:rPr>
+                <a:t> in C++</a:t>
+              </a:r>
+            </a:p>
+          </p:txBody>
+        </p:sp>
       </p:grpSp>
+      <p:pic>
+        <p:nvPicPr>
+          <p:cNvPr id="8" name="Grafik 7">
+            <a:extLst>
+              <a:ext uri="{FF2B5EF4-FFF2-40B4-BE49-F238E27FC236}">
+                <a16:creationId xmlns:a16="http://schemas.microsoft.com/office/drawing/2014/main" id="{FC74EAA8-6B0C-FDEF-D4E3-147BDB674BD0}"/>
+              </a:ext>
+            </a:extLst>
+          </p:cNvPr>
+          <p:cNvPicPr>
+            <a:picLocks noChangeAspect="1"/>
+          </p:cNvPicPr>
+          <p:nvPr/>
+        </p:nvPicPr>
+        <p:blipFill>
+          <a:blip r:embed="rId2">
+            <a:extLst>
+              <a:ext uri="{28A0092B-C50C-407E-A947-70E740481C1C}">
+                <a14:useLocalDpi xmlns:a14="http://schemas.microsoft.com/office/drawing/2010/main" val="0"/>
+              </a:ext>
+            </a:extLst>
+          </a:blip>
+          <a:srcRect/>
+          <a:stretch/>
+        </p:blipFill>
+        <p:spPr>
+          <a:xfrm>
+            <a:off x="8956182" y="1562969"/>
+            <a:ext cx="4548476" cy="1316664"/>
+          </a:xfrm>
+          <a:prstGeom prst="rect">
+            <a:avLst/>
+          </a:prstGeom>
+        </p:spPr>
+      </p:pic>
       <p:grpSp>
         <p:nvGrpSpPr>
-          <p:cNvPr id="61" name="Gruppieren 60">
+          <p:cNvPr id="52" name="Gruppieren 51">
             <a:extLst>
               <a:ext uri="{FF2B5EF4-FFF2-40B4-BE49-F238E27FC236}">
-                <a16:creationId xmlns:a16="http://schemas.microsoft.com/office/drawing/2014/main" id="{47D15C08-5997-23A6-61BE-DEA21437C4AB}"/>
+                <a16:creationId xmlns:a16="http://schemas.microsoft.com/office/drawing/2014/main" id="{F8261029-4A90-515E-FEE8-BC1E46F55971}"/>
               </a:ext>
             </a:extLst>
           </p:cNvPr>
@@ -6300,10 +6206,10 @@
         </p:nvGrpSpPr>
         <p:grpSpPr>
           <a:xfrm>
-            <a:off x="8230014" y="4354418"/>
-            <a:ext cx="4823241" cy="6920006"/>
-            <a:chOff x="7876745" y="4464418"/>
-            <a:chExt cx="4325258" cy="6409081"/>
+            <a:off x="7915467" y="3513325"/>
+            <a:ext cx="5615359" cy="5480510"/>
+            <a:chOff x="8707585" y="4380615"/>
+            <a:chExt cx="4823241" cy="4613219"/>
           </a:xfrm>
         </p:grpSpPr>
         <p:grpSp>
@@ -6320,8 +6226,8 @@
           </p:nvGrpSpPr>
           <p:grpSpPr>
             <a:xfrm>
-              <a:off x="7899400" y="4530527"/>
-              <a:ext cx="4279900" cy="6342972"/>
+              <a:off x="8732876" y="4472382"/>
+              <a:ext cx="4772661" cy="4521452"/>
               <a:chOff x="7431334" y="6623074"/>
               <a:chExt cx="4267720" cy="2852509"/>
             </a:xfrm>
@@ -6419,7 +6325,7 @@
                 <a:prstTxWarp prst="textNoShape">
                   <a:avLst/>
                 </a:prstTxWarp>
-                <a:normAutofit/>
+                <a:normAutofit fontScale="62500" lnSpcReduction="20000"/>
               </a:bodyPr>
               <a:lstStyle/>
               <a:p>
@@ -6494,8 +6400,8 @@
           </p:blipFill>
           <p:spPr>
             <a:xfrm>
-              <a:off x="7876745" y="4464418"/>
-              <a:ext cx="4325258" cy="5943634"/>
+              <a:off x="8707585" y="4380615"/>
+              <a:ext cx="4823241" cy="4284759"/>
             </a:xfrm>
             <a:prstGeom prst="rect">
               <a:avLst/>
@@ -6517,8 +6423,8 @@
         </p:nvGrpSpPr>
         <p:grpSpPr>
           <a:xfrm>
-            <a:off x="596451" y="12824529"/>
-            <a:ext cx="6140450" cy="1677469"/>
+            <a:off x="5842000" y="12937814"/>
+            <a:ext cx="7685742" cy="1712850"/>
             <a:chOff x="7431334" y="6623074"/>
             <a:chExt cx="4267720" cy="3292859"/>
           </a:xfrm>
@@ -6711,8 +6617,8 @@
         </p:blipFill>
         <p:spPr>
           <a:xfrm>
-            <a:off x="569038" y="12755360"/>
-            <a:ext cx="6190413" cy="1412576"/>
+            <a:off x="5814508" y="12556139"/>
+            <a:ext cx="7739528" cy="1766065"/>
           </a:xfrm>
           <a:prstGeom prst="rect">
             <a:avLst/>
@@ -6721,10 +6627,10 @@
       </p:pic>
       <p:grpSp>
         <p:nvGrpSpPr>
-          <p:cNvPr id="65" name="Gruppieren 64">
+          <p:cNvPr id="51" name="Gruppieren 50">
             <a:extLst>
               <a:ext uri="{FF2B5EF4-FFF2-40B4-BE49-F238E27FC236}">
-                <a16:creationId xmlns:a16="http://schemas.microsoft.com/office/drawing/2014/main" id="{343714DB-AADF-B588-D188-E003DA915B0A}"/>
+                <a16:creationId xmlns:a16="http://schemas.microsoft.com/office/drawing/2014/main" id="{E0322CB0-048A-1650-CD92-FC55E00189AF}"/>
               </a:ext>
             </a:extLst>
           </p:cNvPr>
@@ -6733,309 +6639,230 @@
         </p:nvGrpSpPr>
         <p:grpSpPr>
           <a:xfrm>
-            <a:off x="6940549" y="11890102"/>
-            <a:ext cx="6102351" cy="2601855"/>
-            <a:chOff x="7431334" y="6860279"/>
-            <a:chExt cx="4267720" cy="3055653"/>
+            <a:off x="7400999" y="9299064"/>
+            <a:ext cx="6153037" cy="3028980"/>
+            <a:chOff x="6916157" y="11462977"/>
+            <a:chExt cx="6153037" cy="3028980"/>
           </a:xfrm>
         </p:grpSpPr>
-        <p:sp>
-          <p:nvSpPr>
-            <p:cNvPr id="66" name="Rectangle 47">
+        <p:grpSp>
+          <p:nvGrpSpPr>
+            <p:cNvPr id="65" name="Gruppieren 64">
               <a:extLst>
                 <a:ext uri="{FF2B5EF4-FFF2-40B4-BE49-F238E27FC236}">
-                  <a16:creationId xmlns:a16="http://schemas.microsoft.com/office/drawing/2014/main" id="{C32B1F27-7713-A4C0-82BF-D19BB280F9EB}"/>
+                  <a16:creationId xmlns:a16="http://schemas.microsoft.com/office/drawing/2014/main" id="{343714DB-AADF-B588-D188-E003DA915B0A}"/>
                 </a:ext>
               </a:extLst>
             </p:cNvPr>
-            <p:cNvSpPr>
-              <a:spLocks/>
-            </p:cNvSpPr>
+            <p:cNvGrpSpPr/>
             <p:nvPr/>
-          </p:nvSpPr>
-          <p:spPr>
+          </p:nvGrpSpPr>
+          <p:grpSpPr>
             <a:xfrm>
-              <a:off x="7431334" y="6860279"/>
-              <a:ext cx="4267720" cy="2644784"/>
+              <a:off x="6940549" y="11890102"/>
+              <a:ext cx="6102351" cy="2601855"/>
+              <a:chOff x="7431334" y="6860279"/>
+              <a:chExt cx="4267720" cy="3055653"/>
             </a:xfrm>
-            <a:prstGeom prst="rect">
-              <a:avLst/>
-            </a:prstGeom>
-            <a:solidFill>
-              <a:sysClr val="window" lastClr="FFFFFF"/>
-            </a:solidFill>
-            <a:ln w="50800" cap="sq" cmpd="sng" algn="ctr">
+          </p:grpSpPr>
+          <p:sp>
+            <p:nvSpPr>
+              <p:cNvPr id="66" name="Rectangle 47">
+                <a:extLst>
+                  <a:ext uri="{FF2B5EF4-FFF2-40B4-BE49-F238E27FC236}">
+                    <a16:creationId xmlns:a16="http://schemas.microsoft.com/office/drawing/2014/main" id="{C32B1F27-7713-A4C0-82BF-D19BB280F9EB}"/>
+                  </a:ext>
+                </a:extLst>
+              </p:cNvPr>
+              <p:cNvSpPr>
+                <a:spLocks/>
+              </p:cNvSpPr>
+              <p:nvPr/>
+            </p:nvSpPr>
+            <p:spPr>
+              <a:xfrm>
+                <a:off x="7431334" y="6860279"/>
+                <a:ext cx="4267720" cy="2644784"/>
+              </a:xfrm>
+              <a:prstGeom prst="rect">
+                <a:avLst/>
+              </a:prstGeom>
+              <a:solidFill>
+                <a:sysClr val="window" lastClr="FFFFFF"/>
+              </a:solidFill>
+              <a:ln w="50800" cap="sq" cmpd="sng" algn="ctr">
+                <a:solidFill>
+                  <a:srgbClr val="0283AD"/>
+                </a:solidFill>
+                <a:prstDash val="solid"/>
+                <a:miter lim="800000"/>
+              </a:ln>
+              <a:effectLst/>
+            </p:spPr>
+            <p:txBody>
+              <a:bodyPr rot="0" spcFirstLastPara="0" vertOverflow="overflow" horzOverflow="overflow" vert="horz" wrap="square" lIns="88856" tIns="88856" rIns="88856" bIns="88856" numCol="1" spcCol="0" rtlCol="0" fromWordArt="0" anchor="ctr" anchorCtr="0" forceAA="0" compatLnSpc="1">
+                <a:prstTxWarp prst="textNoShape">
+                  <a:avLst/>
+                </a:prstTxWarp>
+                <a:normAutofit/>
+              </a:bodyPr>
+              <a:lstStyle/>
+              <a:p>
+                <a:pPr algn="ctr" defTabSz="874705">
+                  <a:defRPr/>
+                </a:pPr>
+                <a:endParaRPr lang="en-GB" sz="1398" i="1" kern="0" dirty="0">
+                  <a:solidFill>
+                    <a:srgbClr val="545454"/>
+                  </a:solidFill>
+                  <a:latin typeface="Poppins" panose="00000500000000000000" pitchFamily="2" charset="0"/>
+                  <a:cs typeface="Poppins" panose="00000500000000000000" pitchFamily="2" charset="0"/>
+                </a:endParaRPr>
+              </a:p>
+            </p:txBody>
+          </p:sp>
+          <p:sp>
+            <p:nvSpPr>
+              <p:cNvPr id="67" name="Rectangle 48">
+                <a:extLst>
+                  <a:ext uri="{FF2B5EF4-FFF2-40B4-BE49-F238E27FC236}">
+                    <a16:creationId xmlns:a16="http://schemas.microsoft.com/office/drawing/2014/main" id="{1E1FFDE3-3F40-93AA-1294-C249D660F787}"/>
+                  </a:ext>
+                </a:extLst>
+              </p:cNvPr>
+              <p:cNvSpPr/>
+              <p:nvPr/>
+            </p:nvSpPr>
+            <p:spPr>
+              <a:xfrm>
+                <a:off x="7431334" y="9539996"/>
+                <a:ext cx="4267720" cy="375936"/>
+              </a:xfrm>
+              <a:prstGeom prst="rect">
+                <a:avLst/>
+              </a:prstGeom>
               <a:solidFill>
                 <a:srgbClr val="0283AD"/>
               </a:solidFill>
-              <a:prstDash val="solid"/>
-              <a:miter lim="800000"/>
-            </a:ln>
-            <a:effectLst/>
-          </p:spPr>
-          <p:txBody>
-            <a:bodyPr rot="0" spcFirstLastPara="0" vertOverflow="overflow" horzOverflow="overflow" vert="horz" wrap="square" lIns="88856" tIns="88856" rIns="88856" bIns="88856" numCol="1" spcCol="0" rtlCol="0" fromWordArt="0" anchor="ctr" anchorCtr="0" forceAA="0" compatLnSpc="1">
-              <a:prstTxWarp prst="textNoShape">
-                <a:avLst/>
-              </a:prstTxWarp>
-              <a:normAutofit/>
-            </a:bodyPr>
-            <a:lstStyle/>
-            <a:p>
-              <a:pPr algn="ctr" defTabSz="874705">
-                <a:defRPr/>
-              </a:pPr>
-              <a:endParaRPr lang="en-GB" sz="1398" i="1" kern="0" dirty="0">
-                <a:solidFill>
-                  <a:srgbClr val="545454"/>
-                </a:solidFill>
-                <a:latin typeface="Poppins" panose="00000500000000000000" pitchFamily="2" charset="0"/>
-                <a:cs typeface="Poppins" panose="00000500000000000000" pitchFamily="2" charset="0"/>
-              </a:endParaRPr>
-            </a:p>
-          </p:txBody>
-        </p:sp>
-        <p:sp>
-          <p:nvSpPr>
-            <p:cNvPr id="67" name="Rectangle 48">
-              <a:extLst>
-                <a:ext uri="{FF2B5EF4-FFF2-40B4-BE49-F238E27FC236}">
-                  <a16:creationId xmlns:a16="http://schemas.microsoft.com/office/drawing/2014/main" id="{1E1FFDE3-3F40-93AA-1294-C249D660F787}"/>
-                </a:ext>
-              </a:extLst>
-            </p:cNvPr>
-            <p:cNvSpPr/>
-            <p:nvPr/>
-          </p:nvSpPr>
-          <p:spPr>
-            <a:xfrm>
-              <a:off x="7431334" y="9539996"/>
-              <a:ext cx="4267720" cy="375936"/>
-            </a:xfrm>
-            <a:prstGeom prst="rect">
-              <a:avLst/>
-            </a:prstGeom>
-            <a:solidFill>
-              <a:srgbClr val="0283AD"/>
-            </a:solidFill>
-            <a:ln w="50800" cap="sq" cmpd="sng" algn="ctr">
-              <a:solidFill>
-                <a:srgbClr val="0283AD"/>
-              </a:solidFill>
-              <a:prstDash val="solid"/>
-              <a:miter lim="800000"/>
-            </a:ln>
-            <a:effectLst/>
-          </p:spPr>
-          <p:txBody>
-            <a:bodyPr rot="0" spcFirstLastPara="0" vertOverflow="overflow" horzOverflow="overflow" vert="horz" wrap="square" lIns="88856" tIns="88856" rIns="88856" bIns="88856" numCol="1" spcCol="0" rtlCol="0" fromWordArt="0" anchor="ctr" anchorCtr="0" forceAA="0" compatLnSpc="1">
-              <a:prstTxWarp prst="textNoShape">
-                <a:avLst/>
-              </a:prstTxWarp>
-              <a:noAutofit/>
-            </a:bodyPr>
-            <a:lstStyle/>
-            <a:p>
-              <a:pPr defTabSz="874705">
-                <a:defRPr/>
-              </a:pPr>
-              <a:r>
-                <a:rPr lang="en-GB" sz="1400" kern="0" dirty="0" err="1">
+              <a:ln w="50800" cap="sq" cmpd="sng" algn="ctr">
+                <a:solidFill>
+                  <a:srgbClr val="0283AD"/>
+                </a:solidFill>
+                <a:prstDash val="solid"/>
+                <a:miter lim="800000"/>
+              </a:ln>
+              <a:effectLst/>
+            </p:spPr>
+            <p:txBody>
+              <a:bodyPr rot="0" spcFirstLastPara="0" vertOverflow="overflow" horzOverflow="overflow" vert="horz" wrap="square" lIns="88856" tIns="88856" rIns="88856" bIns="88856" numCol="1" spcCol="0" rtlCol="0" fromWordArt="0" anchor="ctr" anchorCtr="0" forceAA="0" compatLnSpc="1">
+                <a:prstTxWarp prst="textNoShape">
+                  <a:avLst/>
+                </a:prstTxWarp>
+                <a:noAutofit/>
+              </a:bodyPr>
+              <a:lstStyle/>
+              <a:p>
+                <a:pPr defTabSz="874705">
+                  <a:defRPr/>
+                </a:pPr>
+                <a:r>
+                  <a:rPr lang="en-GB" sz="1400" kern="0" dirty="0" err="1">
+                    <a:solidFill>
+                      <a:srgbClr val="FFFFFF"/>
+                    </a:solidFill>
+                    <a:latin typeface="Poppins" panose="00000500000000000000" pitchFamily="2" charset="0"/>
+                    <a:cs typeface="Poppins" panose="00000500000000000000" pitchFamily="2" charset="0"/>
+                  </a:rPr>
+                  <a:t>Mutieren</a:t>
+                </a:r>
+                <a:r>
+                  <a:rPr lang="en-GB" sz="1400" kern="0" dirty="0">
+                    <a:solidFill>
+                      <a:srgbClr val="FFFFFF"/>
+                    </a:solidFill>
+                    <a:latin typeface="Poppins" panose="00000500000000000000" pitchFamily="2" charset="0"/>
+                    <a:cs typeface="Poppins" panose="00000500000000000000" pitchFamily="2" charset="0"/>
+                  </a:rPr>
+                  <a:t> </a:t>
+                </a:r>
+                <a:r>
+                  <a:rPr lang="en-GB" sz="1400" kern="0" dirty="0" err="1">
+                    <a:solidFill>
+                      <a:srgbClr val="FFFFFF"/>
+                    </a:solidFill>
+                    <a:latin typeface="Poppins" panose="00000500000000000000" pitchFamily="2" charset="0"/>
+                    <a:cs typeface="Poppins" panose="00000500000000000000" pitchFamily="2" charset="0"/>
+                  </a:rPr>
+                  <a:t>eines</a:t>
+                </a:r>
+                <a:r>
+                  <a:rPr lang="en-GB" sz="1400" kern="0" dirty="0">
+                    <a:solidFill>
+                      <a:srgbClr val="FFFFFF"/>
+                    </a:solidFill>
+                    <a:latin typeface="Poppins" panose="00000500000000000000" pitchFamily="2" charset="0"/>
+                    <a:cs typeface="Poppins" panose="00000500000000000000" pitchFamily="2" charset="0"/>
+                  </a:rPr>
+                  <a:t> </a:t>
+                </a:r>
+                <a:r>
+                  <a:rPr lang="en-GB" sz="1400" kern="0" dirty="0" err="1">
+                    <a:solidFill>
+                      <a:srgbClr val="FFFFFF"/>
+                    </a:solidFill>
+                    <a:latin typeface="Poppins" panose="00000500000000000000" pitchFamily="2" charset="0"/>
+                    <a:cs typeface="Poppins" panose="00000500000000000000" pitchFamily="2" charset="0"/>
+                  </a:rPr>
+                  <a:t>Stundenplans</a:t>
+                </a:r>
+                <a:endParaRPr lang="en-GB" sz="1400" kern="0" dirty="0">
                   <a:solidFill>
                     <a:srgbClr val="FFFFFF"/>
                   </a:solidFill>
                   <a:latin typeface="Poppins" panose="00000500000000000000" pitchFamily="2" charset="0"/>
                   <a:cs typeface="Poppins" panose="00000500000000000000" pitchFamily="2" charset="0"/>
-                </a:rPr>
-                <a:t>Mutieren</a:t>
-              </a:r>
-              <a:r>
-                <a:rPr lang="en-GB" sz="1400" kern="0" dirty="0">
-                  <a:solidFill>
-                    <a:srgbClr val="FFFFFF"/>
-                  </a:solidFill>
-                  <a:latin typeface="Poppins" panose="00000500000000000000" pitchFamily="2" charset="0"/>
-                  <a:cs typeface="Poppins" panose="00000500000000000000" pitchFamily="2" charset="0"/>
-                </a:rPr>
-                <a:t> </a:t>
-              </a:r>
-              <a:r>
-                <a:rPr lang="en-GB" sz="1400" kern="0" dirty="0" err="1">
-                  <a:solidFill>
-                    <a:srgbClr val="FFFFFF"/>
-                  </a:solidFill>
-                  <a:latin typeface="Poppins" panose="00000500000000000000" pitchFamily="2" charset="0"/>
-                  <a:cs typeface="Poppins" panose="00000500000000000000" pitchFamily="2" charset="0"/>
-                </a:rPr>
-                <a:t>eines</a:t>
-              </a:r>
-              <a:r>
-                <a:rPr lang="en-GB" sz="1400" kern="0" dirty="0">
-                  <a:solidFill>
-                    <a:srgbClr val="FFFFFF"/>
-                  </a:solidFill>
-                  <a:latin typeface="Poppins" panose="00000500000000000000" pitchFamily="2" charset="0"/>
-                  <a:cs typeface="Poppins" panose="00000500000000000000" pitchFamily="2" charset="0"/>
-                </a:rPr>
-                <a:t> </a:t>
-              </a:r>
-              <a:r>
-                <a:rPr lang="en-GB" sz="1400" kern="0" dirty="0" err="1">
-                  <a:solidFill>
-                    <a:srgbClr val="FFFFFF"/>
-                  </a:solidFill>
-                  <a:latin typeface="Poppins" panose="00000500000000000000" pitchFamily="2" charset="0"/>
-                  <a:cs typeface="Poppins" panose="00000500000000000000" pitchFamily="2" charset="0"/>
-                </a:rPr>
-                <a:t>Stundenplans</a:t>
-              </a:r>
-              <a:endParaRPr lang="en-GB" sz="1400" kern="0" dirty="0">
-                <a:solidFill>
-                  <a:srgbClr val="FFFFFF"/>
-                </a:solidFill>
-                <a:latin typeface="Poppins" panose="00000500000000000000" pitchFamily="2" charset="0"/>
-                <a:cs typeface="Poppins" panose="00000500000000000000" pitchFamily="2" charset="0"/>
-              </a:endParaRPr>
-            </a:p>
-          </p:txBody>
-        </p:sp>
+                </a:endParaRPr>
+              </a:p>
+            </p:txBody>
+          </p:sp>
+        </p:grpSp>
+        <p:pic>
+          <p:nvPicPr>
+            <p:cNvPr id="69" name="Grafik 68" descr="Ein Bild, das Text enthält.&#10;&#10;Automatisch generierte Beschreibung">
+              <a:extLst>
+                <a:ext uri="{FF2B5EF4-FFF2-40B4-BE49-F238E27FC236}">
+                  <a16:creationId xmlns:a16="http://schemas.microsoft.com/office/drawing/2014/main" id="{DF083101-B204-26D4-3852-507579414D14}"/>
+                </a:ext>
+              </a:extLst>
+            </p:cNvPr>
+            <p:cNvPicPr>
+              <a:picLocks noChangeAspect="1"/>
+            </p:cNvPicPr>
+            <p:nvPr/>
+          </p:nvPicPr>
+          <p:blipFill>
+            <a:blip r:embed="rId5">
+              <a:extLst>
+                <a:ext uri="{28A0092B-C50C-407E-A947-70E740481C1C}">
+                  <a14:useLocalDpi xmlns:a14="http://schemas.microsoft.com/office/drawing/2010/main" val="0"/>
+                </a:ext>
+              </a:extLst>
+            </a:blip>
+            <a:stretch>
+              <a:fillRect/>
+            </a:stretch>
+          </p:blipFill>
+          <p:spPr>
+            <a:xfrm>
+              <a:off x="6916157" y="11462977"/>
+              <a:ext cx="6153037" cy="2704959"/>
+            </a:xfrm>
+            <a:prstGeom prst="rect">
+              <a:avLst/>
+            </a:prstGeom>
+          </p:spPr>
+        </p:pic>
       </p:grpSp>
-      <p:pic>
-        <p:nvPicPr>
-          <p:cNvPr id="69" name="Grafik 68" descr="Ein Bild, das Text enthält.&#10;&#10;Automatisch generierte Beschreibung">
-            <a:extLst>
-              <a:ext uri="{FF2B5EF4-FFF2-40B4-BE49-F238E27FC236}">
-                <a16:creationId xmlns:a16="http://schemas.microsoft.com/office/drawing/2014/main" id="{DF083101-B204-26D4-3852-507579414D14}"/>
-              </a:ext>
-            </a:extLst>
-          </p:cNvPr>
-          <p:cNvPicPr>
-            <a:picLocks noChangeAspect="1"/>
-          </p:cNvPicPr>
-          <p:nvPr/>
-        </p:nvPicPr>
-        <p:blipFill>
-          <a:blip r:embed="rId5">
-            <a:extLst>
-              <a:ext uri="{28A0092B-C50C-407E-A947-70E740481C1C}">
-                <a14:useLocalDpi xmlns:a14="http://schemas.microsoft.com/office/drawing/2010/main" val="0"/>
-              </a:ext>
-            </a:extLst>
-          </a:blip>
-          <a:stretch>
-            <a:fillRect/>
-          </a:stretch>
-        </p:blipFill>
-        <p:spPr>
-          <a:xfrm>
-            <a:off x="6916157" y="11462977"/>
-            <a:ext cx="6153037" cy="2704959"/>
-          </a:xfrm>
-          <a:prstGeom prst="rect">
-            <a:avLst/>
-          </a:prstGeom>
-        </p:spPr>
-      </p:pic>
-      <p:pic>
-        <p:nvPicPr>
-          <p:cNvPr id="1027" name="Picture 3">
-            <a:extLst>
-              <a:ext uri="{FF2B5EF4-FFF2-40B4-BE49-F238E27FC236}">
-                <a16:creationId xmlns:a16="http://schemas.microsoft.com/office/drawing/2014/main" id="{B4AA1A0F-B4FB-94AF-196B-DBD93A10A4FE}"/>
-              </a:ext>
-            </a:extLst>
-          </p:cNvPr>
-          <p:cNvPicPr>
-            <a:picLocks noChangeAspect="1" noChangeArrowheads="1"/>
-          </p:cNvPicPr>
-          <p:nvPr/>
-        </p:nvPicPr>
-        <p:blipFill>
-          <a:blip r:embed="rId6">
-            <a:extLst>
-              <a:ext uri="{28A0092B-C50C-407E-A947-70E740481C1C}">
-                <a14:useLocalDpi xmlns:a14="http://schemas.microsoft.com/office/drawing/2010/main" val="0"/>
-              </a:ext>
-            </a:extLst>
-          </a:blip>
-          <a:srcRect/>
-          <a:stretch>
-            <a:fillRect/>
-          </a:stretch>
-        </p:blipFill>
-        <p:spPr bwMode="auto">
-          <a:xfrm>
-            <a:off x="20356040" y="14109403"/>
-            <a:ext cx="887777" cy="887777"/>
-          </a:xfrm>
-          <a:prstGeom prst="rect">
-            <a:avLst/>
-          </a:prstGeom>
-          <a:noFill/>
-          <a:ln w="28575">
-            <a:solidFill>
-              <a:schemeClr val="bg1"/>
-            </a:solidFill>
-          </a:ln>
-          <a:effectLst>
-            <a:outerShdw blurRad="50800" dist="50800" algn="ctr" rotWithShape="0">
-              <a:srgbClr val="000000">
-                <a:alpha val="43137"/>
-              </a:srgbClr>
-            </a:outerShdw>
-            <a:softEdge rad="0"/>
-          </a:effectLst>
-          <a:extLst>
-            <a:ext uri="{909E8E84-426E-40DD-AFC4-6F175D3DCCD1}">
-              <a14:hiddenFill xmlns:a14="http://schemas.microsoft.com/office/drawing/2010/main">
-                <a:solidFill>
-                  <a:srgbClr val="FFFFFF"/>
-                </a:solidFill>
-              </a14:hiddenFill>
-            </a:ext>
-          </a:extLst>
-        </p:spPr>
-      </p:pic>
-      <p:sp>
-        <p:nvSpPr>
-          <p:cNvPr id="70" name="Textfeld 69">
-            <a:extLst>
-              <a:ext uri="{FF2B5EF4-FFF2-40B4-BE49-F238E27FC236}">
-                <a16:creationId xmlns:a16="http://schemas.microsoft.com/office/drawing/2014/main" id="{FEB62DF1-9F9F-0B3D-DB93-1BC940C54EA6}"/>
-              </a:ext>
-            </a:extLst>
-          </p:cNvPr>
-          <p:cNvSpPr txBox="1"/>
-          <p:nvPr/>
-        </p:nvSpPr>
-        <p:spPr>
-          <a:xfrm>
-            <a:off x="20598020" y="14883531"/>
-            <a:ext cx="428322" cy="153888"/>
-          </a:xfrm>
-          <a:prstGeom prst="rect">
-            <a:avLst/>
-          </a:prstGeom>
-          <a:noFill/>
-        </p:spPr>
-        <p:txBody>
-          <a:bodyPr wrap="none" rtlCol="0">
-            <a:spAutoFit/>
-          </a:bodyPr>
-          <a:lstStyle/>
-          <a:p>
-            <a:r>
-              <a:rPr lang="de-DE" sz="400" dirty="0"/>
-              <a:t>do not </a:t>
-            </a:r>
-            <a:r>
-              <a:rPr lang="de-DE" sz="400" dirty="0" err="1"/>
-              <a:t>scan</a:t>
-            </a:r>
-            <a:endParaRPr lang="de-DE" sz="400" dirty="0"/>
-          </a:p>
-        </p:txBody>
-      </p:sp>
       <p:sp>
         <p:nvSpPr>
           <p:cNvPr id="71" name="Textfeld 70">
@@ -7077,69 +6904,48 @@
           </a:p>
         </p:txBody>
       </p:sp>
-      <p:sp>
-        <p:nvSpPr>
-          <p:cNvPr id="75" name="Rechteck 74">
+      <p:pic>
+        <p:nvPicPr>
+          <p:cNvPr id="7" name="Grafik 6" descr="Ein Bild, das Text enthält.&#10;&#10;Automatisch generierte Beschreibung">
             <a:extLst>
               <a:ext uri="{FF2B5EF4-FFF2-40B4-BE49-F238E27FC236}">
-                <a16:creationId xmlns:a16="http://schemas.microsoft.com/office/drawing/2014/main" id="{7F90ADF6-2BE4-EBBE-7E7C-AC242C08F41A}"/>
+                <a16:creationId xmlns:a16="http://schemas.microsoft.com/office/drawing/2014/main" id="{21B780B8-FF0A-0029-9EE0-EA8770EAAA99}"/>
               </a:ext>
             </a:extLst>
           </p:cNvPr>
-          <p:cNvSpPr/>
+          <p:cNvPicPr>
+            <a:picLocks noChangeAspect="1"/>
+          </p:cNvPicPr>
           <p:nvPr/>
-        </p:nvSpPr>
+        </p:nvPicPr>
+        <p:blipFill>
+          <a:blip r:embed="rId6">
+            <a:extLst>
+              <a:ext uri="{28A0092B-C50C-407E-A947-70E740481C1C}">
+                <a14:useLocalDpi xmlns:a14="http://schemas.microsoft.com/office/drawing/2010/main" val="0"/>
+              </a:ext>
+            </a:extLst>
+          </a:blip>
+          <a:stretch>
+            <a:fillRect/>
+          </a:stretch>
+        </p:blipFill>
         <p:spPr>
           <a:xfrm>
-            <a:off x="15081553" y="4452748"/>
-            <a:ext cx="5466456" cy="328523"/>
+            <a:off x="14589677" y="4082383"/>
+            <a:ext cx="5080120" cy="2696897"/>
           </a:xfrm>
           <a:prstGeom prst="rect">
             <a:avLst/>
           </a:prstGeom>
-          <a:solidFill>
-            <a:schemeClr val="bg1">
-              <a:lumMod val="75000"/>
-            </a:schemeClr>
-          </a:solidFill>
-          <a:ln>
-            <a:noFill/>
-          </a:ln>
         </p:spPr>
-        <p:style>
-          <a:lnRef idx="2">
-            <a:schemeClr val="accent1">
-              <a:shade val="50000"/>
-            </a:schemeClr>
-          </a:lnRef>
-          <a:fillRef idx="1">
-            <a:schemeClr val="accent1"/>
-          </a:fillRef>
-          <a:effectRef idx="0">
-            <a:schemeClr val="accent1"/>
-          </a:effectRef>
-          <a:fontRef idx="minor">
-            <a:schemeClr val="lt1"/>
-          </a:fontRef>
-        </p:style>
-        <p:txBody>
-          <a:bodyPr rtlCol="0" anchor="ctr"/>
-          <a:lstStyle/>
-          <a:p>
-            <a:pPr algn="ctr"/>
-            <a:r>
-              <a:rPr lang="de-DE" sz="900" dirty="0"/>
-              <a:t>Max. Räume: 10, Mutationsrate: 75%, Pop. Größe: 20 =&gt; Beste Lösung: 27 (5 Räume + 2 schlechte Slots)</a:t>
-            </a:r>
-          </a:p>
-        </p:txBody>
-      </p:sp>
+      </p:pic>
       <p:pic>
         <p:nvPicPr>
-          <p:cNvPr id="74" name="Grafik 73">
+          <p:cNvPr id="15" name="Grafik 14">
             <a:extLst>
               <a:ext uri="{FF2B5EF4-FFF2-40B4-BE49-F238E27FC236}">
-                <a16:creationId xmlns:a16="http://schemas.microsoft.com/office/drawing/2014/main" id="{44FF9890-DF83-9A52-5158-D5942E9FA38C}"/>
+                <a16:creationId xmlns:a16="http://schemas.microsoft.com/office/drawing/2014/main" id="{7E7EEB0D-F5C4-537F-AB23-51B80F6D188C}"/>
               </a:ext>
             </a:extLst>
           </p:cNvPr>
@@ -7162,112 +6968,1618 @@
         </p:blipFill>
         <p:spPr>
           <a:xfrm>
-            <a:off x="15081553" y="1564855"/>
-            <a:ext cx="5466456" cy="2901992"/>
+            <a:off x="14589677" y="1222914"/>
+            <a:ext cx="5080121" cy="2696897"/>
           </a:xfrm>
           <a:prstGeom prst="rect">
             <a:avLst/>
           </a:prstGeom>
         </p:spPr>
       </p:pic>
-      <p:sp>
-        <p:nvSpPr>
-          <p:cNvPr id="78" name="Rechteck 77">
+      <p:graphicFrame>
+        <p:nvGraphicFramePr>
+          <p:cNvPr id="36" name="Tabelle 35">
             <a:extLst>
               <a:ext uri="{FF2B5EF4-FFF2-40B4-BE49-F238E27FC236}">
-                <a16:creationId xmlns:a16="http://schemas.microsoft.com/office/drawing/2014/main" id="{322798F4-3E24-9A9F-B95A-4A28993BE300}"/>
+                <a16:creationId xmlns:a16="http://schemas.microsoft.com/office/drawing/2014/main" id="{FF719987-9047-4C0D-D2DB-71BBD81F2153}"/>
               </a:ext>
             </a:extLst>
           </p:cNvPr>
-          <p:cNvSpPr/>
+          <p:cNvGraphicFramePr>
+            <a:graphicFrameLocks noGrp="1"/>
+          </p:cNvGraphicFramePr>
+          <p:nvPr>
+            <p:extLst>
+              <p:ext uri="{D42A27DB-BD31-4B8C-83A1-F6EECF244321}">
+                <p14:modId xmlns:p14="http://schemas.microsoft.com/office/powerpoint/2010/main" val="310435641"/>
+              </p:ext>
+            </p:extLst>
+          </p:nvPr>
+        </p:nvGraphicFramePr>
+        <p:xfrm>
+          <a:off x="14589677" y="6916966"/>
+          <a:ext cx="6070599" cy="2314575"/>
+        </p:xfrm>
+        <a:graphic>
+          <a:graphicData uri="http://schemas.openxmlformats.org/drawingml/2006/table">
+            <a:tbl>
+              <a:tblPr>
+                <a:tableStyleId>{5C22544A-7EE6-4342-B048-85BDC9FD1C3A}</a:tableStyleId>
+              </a:tblPr>
+              <a:tblGrid>
+                <a:gridCol w="786166">
+                  <a:extLst>
+                    <a:ext uri="{9D8B030D-6E8A-4147-A177-3AD203B41FA5}">
+                      <a16:colId xmlns:a16="http://schemas.microsoft.com/office/drawing/2014/main" val="3609364866"/>
+                    </a:ext>
+                  </a:extLst>
+                </a:gridCol>
+                <a:gridCol w="1512102">
+                  <a:extLst>
+                    <a:ext uri="{9D8B030D-6E8A-4147-A177-3AD203B41FA5}">
+                      <a16:colId xmlns:a16="http://schemas.microsoft.com/office/drawing/2014/main" val="2929037706"/>
+                    </a:ext>
+                  </a:extLst>
+                </a:gridCol>
+                <a:gridCol w="1131699">
+                  <a:extLst>
+                    <a:ext uri="{9D8B030D-6E8A-4147-A177-3AD203B41FA5}">
+                      <a16:colId xmlns:a16="http://schemas.microsoft.com/office/drawing/2014/main" val="2403475676"/>
+                    </a:ext>
+                  </a:extLst>
+                </a:gridCol>
+                <a:gridCol w="938328">
+                  <a:extLst>
+                    <a:ext uri="{9D8B030D-6E8A-4147-A177-3AD203B41FA5}">
+                      <a16:colId xmlns:a16="http://schemas.microsoft.com/office/drawing/2014/main" val="327871742"/>
+                    </a:ext>
+                  </a:extLst>
+                </a:gridCol>
+                <a:gridCol w="941498">
+                  <a:extLst>
+                    <a:ext uri="{9D8B030D-6E8A-4147-A177-3AD203B41FA5}">
+                      <a16:colId xmlns:a16="http://schemas.microsoft.com/office/drawing/2014/main" val="1033722887"/>
+                    </a:ext>
+                  </a:extLst>
+                </a:gridCol>
+                <a:gridCol w="760806">
+                  <a:extLst>
+                    <a:ext uri="{9D8B030D-6E8A-4147-A177-3AD203B41FA5}">
+                      <a16:colId xmlns:a16="http://schemas.microsoft.com/office/drawing/2014/main" val="654770631"/>
+                    </a:ext>
+                  </a:extLst>
+                </a:gridCol>
+              </a:tblGrid>
+              <a:tr h="200025">
+                <a:tc>
+                  <a:txBody>
+                    <a:bodyPr/>
+                    <a:lstStyle/>
+                    <a:p>
+                      <a:pPr algn="l" fontAlgn="b"/>
+                      <a:r>
+                        <a:rPr lang="de-DE" sz="1100" u="none" strike="noStrike">
+                          <a:effectLst/>
+                        </a:rPr>
+                        <a:t> </a:t>
+                      </a:r>
+                      <a:endParaRPr lang="de-DE" sz="1100" b="1" i="0" u="none" strike="noStrike">
+                        <a:solidFill>
+                          <a:srgbClr val="000000"/>
+                        </a:solidFill>
+                        <a:effectLst/>
+                        <a:latin typeface="Calibri" panose="020F0502020204030204" pitchFamily="34" charset="0"/>
+                      </a:endParaRPr>
+                    </a:p>
+                  </a:txBody>
+                  <a:tcPr marL="9525" marR="9525" marT="9525" marB="0" anchor="b"/>
+                </a:tc>
+                <a:tc>
+                  <a:txBody>
+                    <a:bodyPr/>
+                    <a:lstStyle/>
+                    <a:p>
+                      <a:pPr algn="l" fontAlgn="b"/>
+                      <a:r>
+                        <a:rPr lang="de-DE" sz="1100" u="none" strike="noStrike">
+                          <a:effectLst/>
+                        </a:rPr>
+                        <a:t>Montag</a:t>
+                      </a:r>
+                      <a:endParaRPr lang="de-DE" sz="1100" b="1" i="0" u="none" strike="noStrike">
+                        <a:solidFill>
+                          <a:srgbClr val="000000"/>
+                        </a:solidFill>
+                        <a:effectLst/>
+                        <a:latin typeface="Calibri" panose="020F0502020204030204" pitchFamily="34" charset="0"/>
+                      </a:endParaRPr>
+                    </a:p>
+                  </a:txBody>
+                  <a:tcPr marL="9525" marR="9525" marT="9525" marB="0" anchor="b"/>
+                </a:tc>
+                <a:tc>
+                  <a:txBody>
+                    <a:bodyPr/>
+                    <a:lstStyle/>
+                    <a:p>
+                      <a:pPr algn="l" fontAlgn="b"/>
+                      <a:r>
+                        <a:rPr lang="de-DE" sz="1100" u="none" strike="noStrike">
+                          <a:effectLst/>
+                        </a:rPr>
+                        <a:t>Dienstag</a:t>
+                      </a:r>
+                      <a:endParaRPr lang="de-DE" sz="1100" b="1" i="0" u="none" strike="noStrike">
+                        <a:solidFill>
+                          <a:srgbClr val="000000"/>
+                        </a:solidFill>
+                        <a:effectLst/>
+                        <a:latin typeface="Calibri" panose="020F0502020204030204" pitchFamily="34" charset="0"/>
+                      </a:endParaRPr>
+                    </a:p>
+                  </a:txBody>
+                  <a:tcPr marL="9525" marR="9525" marT="9525" marB="0" anchor="b"/>
+                </a:tc>
+                <a:tc>
+                  <a:txBody>
+                    <a:bodyPr/>
+                    <a:lstStyle/>
+                    <a:p>
+                      <a:pPr algn="l" fontAlgn="b"/>
+                      <a:r>
+                        <a:rPr lang="de-DE" sz="1100" u="none" strike="noStrike">
+                          <a:effectLst/>
+                        </a:rPr>
+                        <a:t>Mittwoch</a:t>
+                      </a:r>
+                      <a:endParaRPr lang="de-DE" sz="1100" b="1" i="0" u="none" strike="noStrike">
+                        <a:solidFill>
+                          <a:srgbClr val="000000"/>
+                        </a:solidFill>
+                        <a:effectLst/>
+                        <a:latin typeface="Calibri" panose="020F0502020204030204" pitchFamily="34" charset="0"/>
+                      </a:endParaRPr>
+                    </a:p>
+                  </a:txBody>
+                  <a:tcPr marL="9525" marR="9525" marT="9525" marB="0" anchor="b"/>
+                </a:tc>
+                <a:tc>
+                  <a:txBody>
+                    <a:bodyPr/>
+                    <a:lstStyle/>
+                    <a:p>
+                      <a:pPr algn="l" fontAlgn="b"/>
+                      <a:r>
+                        <a:rPr lang="de-DE" sz="1100" u="none" strike="noStrike">
+                          <a:effectLst/>
+                        </a:rPr>
+                        <a:t>Donnerstag</a:t>
+                      </a:r>
+                      <a:endParaRPr lang="de-DE" sz="1100" b="1" i="0" u="none" strike="noStrike">
+                        <a:solidFill>
+                          <a:srgbClr val="000000"/>
+                        </a:solidFill>
+                        <a:effectLst/>
+                        <a:latin typeface="Calibri" panose="020F0502020204030204" pitchFamily="34" charset="0"/>
+                      </a:endParaRPr>
+                    </a:p>
+                  </a:txBody>
+                  <a:tcPr marL="9525" marR="9525" marT="9525" marB="0" anchor="b"/>
+                </a:tc>
+                <a:tc>
+                  <a:txBody>
+                    <a:bodyPr/>
+                    <a:lstStyle/>
+                    <a:p>
+                      <a:pPr algn="l" fontAlgn="b"/>
+                      <a:r>
+                        <a:rPr lang="de-DE" sz="1100" u="none" strike="noStrike">
+                          <a:effectLst/>
+                        </a:rPr>
+                        <a:t>Freitag</a:t>
+                      </a:r>
+                      <a:endParaRPr lang="de-DE" sz="1100" b="1" i="0" u="none" strike="noStrike">
+                        <a:solidFill>
+                          <a:srgbClr val="000000"/>
+                        </a:solidFill>
+                        <a:effectLst/>
+                        <a:latin typeface="Calibri" panose="020F0502020204030204" pitchFamily="34" charset="0"/>
+                      </a:endParaRPr>
+                    </a:p>
+                  </a:txBody>
+                  <a:tcPr marL="9525" marR="9525" marT="9525" marB="0" anchor="b"/>
+                </a:tc>
+                <a:extLst>
+                  <a:ext uri="{0D108BD9-81ED-4DB2-BD59-A6C34878D82A}">
+                    <a16:rowId xmlns:a16="http://schemas.microsoft.com/office/drawing/2014/main" val="37339649"/>
+                  </a:ext>
+                </a:extLst>
+              </a:tr>
+              <a:tr h="200025">
+                <a:tc>
+                  <a:txBody>
+                    <a:bodyPr/>
+                    <a:lstStyle/>
+                    <a:p>
+                      <a:pPr algn="l" fontAlgn="b"/>
+                      <a:r>
+                        <a:rPr lang="de-DE" sz="1100" u="none" strike="noStrike">
+                          <a:effectLst/>
+                        </a:rPr>
+                        <a:t>8:00 - 10:00</a:t>
+                      </a:r>
+                      <a:endParaRPr lang="de-DE" sz="1100" b="1" i="0" u="none" strike="noStrike">
+                        <a:solidFill>
+                          <a:srgbClr val="000000"/>
+                        </a:solidFill>
+                        <a:effectLst/>
+                        <a:latin typeface="Calibri" panose="020F0502020204030204" pitchFamily="34" charset="0"/>
+                      </a:endParaRPr>
+                    </a:p>
+                  </a:txBody>
+                  <a:tcPr marL="9525" marR="9525" marT="9525" marB="0" anchor="b"/>
+                </a:tc>
+                <a:tc>
+                  <a:txBody>
+                    <a:bodyPr/>
+                    <a:lstStyle/>
+                    <a:p>
+                      <a:pPr algn="l" fontAlgn="b"/>
+                      <a:r>
+                        <a:rPr lang="de-DE" sz="1100" u="none" strike="noStrike">
+                          <a:effectLst/>
+                        </a:rPr>
+                        <a:t>-</a:t>
+                      </a:r>
+                      <a:endParaRPr lang="de-DE" sz="1100" b="0" i="0" u="none" strike="noStrike">
+                        <a:solidFill>
+                          <a:srgbClr val="000000"/>
+                        </a:solidFill>
+                        <a:effectLst/>
+                        <a:latin typeface="Calibri" panose="020F0502020204030204" pitchFamily="34" charset="0"/>
+                      </a:endParaRPr>
+                    </a:p>
+                  </a:txBody>
+                  <a:tcPr marL="9525" marR="9525" marT="9525" marB="0" anchor="b"/>
+                </a:tc>
+                <a:tc>
+                  <a:txBody>
+                    <a:bodyPr/>
+                    <a:lstStyle/>
+                    <a:p>
+                      <a:pPr algn="l" fontAlgn="b"/>
+                      <a:r>
+                        <a:rPr lang="de-DE" sz="1100" u="none" strike="noStrike">
+                          <a:effectLst/>
+                        </a:rPr>
+                        <a:t>-</a:t>
+                      </a:r>
+                      <a:endParaRPr lang="de-DE" sz="1100" b="0" i="0" u="none" strike="noStrike">
+                        <a:solidFill>
+                          <a:srgbClr val="000000"/>
+                        </a:solidFill>
+                        <a:effectLst/>
+                        <a:latin typeface="Calibri" panose="020F0502020204030204" pitchFamily="34" charset="0"/>
+                      </a:endParaRPr>
+                    </a:p>
+                  </a:txBody>
+                  <a:tcPr marL="9525" marR="9525" marT="9525" marB="0" anchor="b"/>
+                </a:tc>
+                <a:tc>
+                  <a:txBody>
+                    <a:bodyPr/>
+                    <a:lstStyle/>
+                    <a:p>
+                      <a:pPr algn="l" fontAlgn="b"/>
+                      <a:r>
+                        <a:rPr lang="de-DE" sz="1100" u="none" strike="noStrike">
+                          <a:effectLst/>
+                        </a:rPr>
+                        <a:t>-</a:t>
+                      </a:r>
+                      <a:endParaRPr lang="de-DE" sz="1100" b="0" i="0" u="none" strike="noStrike">
+                        <a:solidFill>
+                          <a:srgbClr val="000000"/>
+                        </a:solidFill>
+                        <a:effectLst/>
+                        <a:latin typeface="Calibri" panose="020F0502020204030204" pitchFamily="34" charset="0"/>
+                      </a:endParaRPr>
+                    </a:p>
+                  </a:txBody>
+                  <a:tcPr marL="9525" marR="9525" marT="9525" marB="0" anchor="b"/>
+                </a:tc>
+                <a:tc>
+                  <a:txBody>
+                    <a:bodyPr/>
+                    <a:lstStyle/>
+                    <a:p>
+                      <a:pPr algn="l" fontAlgn="b"/>
+                      <a:r>
+                        <a:rPr lang="de-DE" sz="1100" u="none" strike="noStrike">
+                          <a:effectLst/>
+                        </a:rPr>
+                        <a:t>-</a:t>
+                      </a:r>
+                      <a:endParaRPr lang="de-DE" sz="1100" b="0" i="0" u="none" strike="noStrike">
+                        <a:solidFill>
+                          <a:srgbClr val="000000"/>
+                        </a:solidFill>
+                        <a:effectLst/>
+                        <a:latin typeface="Calibri" panose="020F0502020204030204" pitchFamily="34" charset="0"/>
+                      </a:endParaRPr>
+                    </a:p>
+                  </a:txBody>
+                  <a:tcPr marL="9525" marR="9525" marT="9525" marB="0" anchor="b"/>
+                </a:tc>
+                <a:tc>
+                  <a:txBody>
+                    <a:bodyPr/>
+                    <a:lstStyle/>
+                    <a:p>
+                      <a:pPr algn="l" fontAlgn="b"/>
+                      <a:r>
+                        <a:rPr lang="de-DE" sz="1100" u="none" strike="noStrike">
+                          <a:effectLst/>
+                        </a:rPr>
+                        <a:t>-</a:t>
+                      </a:r>
+                      <a:endParaRPr lang="de-DE" sz="1100" b="0" i="0" u="none" strike="noStrike">
+                        <a:solidFill>
+                          <a:srgbClr val="000000"/>
+                        </a:solidFill>
+                        <a:effectLst/>
+                        <a:latin typeface="Calibri" panose="020F0502020204030204" pitchFamily="34" charset="0"/>
+                      </a:endParaRPr>
+                    </a:p>
+                  </a:txBody>
+                  <a:tcPr marL="9525" marR="9525" marT="9525" marB="0" anchor="b"/>
+                </a:tc>
+                <a:extLst>
+                  <a:ext uri="{0D108BD9-81ED-4DB2-BD59-A6C34878D82A}">
+                    <a16:rowId xmlns:a16="http://schemas.microsoft.com/office/drawing/2014/main" val="3720656746"/>
+                  </a:ext>
+                </a:extLst>
+              </a:tr>
+              <a:tr h="390525">
+                <a:tc>
+                  <a:txBody>
+                    <a:bodyPr/>
+                    <a:lstStyle/>
+                    <a:p>
+                      <a:pPr algn="l" fontAlgn="b"/>
+                      <a:r>
+                        <a:rPr lang="de-DE" sz="1100" u="none" strike="noStrike">
+                          <a:effectLst/>
+                        </a:rPr>
+                        <a:t>10:00 - 12:00</a:t>
+                      </a:r>
+                      <a:endParaRPr lang="de-DE" sz="1100" b="1" i="0" u="none" strike="noStrike">
+                        <a:solidFill>
+                          <a:srgbClr val="000000"/>
+                        </a:solidFill>
+                        <a:effectLst/>
+                        <a:latin typeface="Calibri" panose="020F0502020204030204" pitchFamily="34" charset="0"/>
+                      </a:endParaRPr>
+                    </a:p>
+                  </a:txBody>
+                  <a:tcPr marL="9525" marR="9525" marT="9525" marB="0" anchor="b"/>
+                </a:tc>
+                <a:tc>
+                  <a:txBody>
+                    <a:bodyPr/>
+                    <a:lstStyle/>
+                    <a:p>
+                      <a:pPr algn="l" fontAlgn="b"/>
+                      <a:r>
+                        <a:rPr lang="de-DE" sz="1100" u="none" strike="noStrike">
+                          <a:effectLst/>
+                        </a:rPr>
+                        <a:t>IFM1: OOP @Raum-02</a:t>
+                      </a:r>
+                      <a:endParaRPr lang="de-DE" sz="1100" b="0" i="0" u="none" strike="noStrike">
+                        <a:solidFill>
+                          <a:srgbClr val="000000"/>
+                        </a:solidFill>
+                        <a:effectLst/>
+                        <a:latin typeface="Calibri" panose="020F0502020204030204" pitchFamily="34" charset="0"/>
+                      </a:endParaRPr>
+                    </a:p>
+                  </a:txBody>
+                  <a:tcPr marL="9525" marR="9525" marT="9525" marB="0" anchor="b"/>
+                </a:tc>
+                <a:tc>
+                  <a:txBody>
+                    <a:bodyPr/>
+                    <a:lstStyle/>
+                    <a:p>
+                      <a:pPr algn="l" fontAlgn="b"/>
+                      <a:r>
+                        <a:rPr lang="de-DE" sz="1100" u="none" strike="noStrike">
+                          <a:effectLst/>
+                        </a:rPr>
+                        <a:t>IFM1: Mathe @Raum-01</a:t>
+                      </a:r>
+                      <a:endParaRPr lang="de-DE" sz="1100" b="0" i="0" u="none" strike="noStrike">
+                        <a:solidFill>
+                          <a:srgbClr val="000000"/>
+                        </a:solidFill>
+                        <a:effectLst/>
+                        <a:latin typeface="Calibri" panose="020F0502020204030204" pitchFamily="34" charset="0"/>
+                      </a:endParaRPr>
+                    </a:p>
+                  </a:txBody>
+                  <a:tcPr marL="9525" marR="9525" marT="9525" marB="0" anchor="b"/>
+                </a:tc>
+                <a:tc>
+                  <a:txBody>
+                    <a:bodyPr/>
+                    <a:lstStyle/>
+                    <a:p>
+                      <a:pPr algn="l" fontAlgn="b"/>
+                      <a:r>
+                        <a:rPr lang="de-DE" sz="1100" u="none" strike="noStrike">
+                          <a:effectLst/>
+                        </a:rPr>
+                        <a:t>IFM3: SP@Raum-02</a:t>
+                      </a:r>
+                      <a:endParaRPr lang="de-DE" sz="1100" b="0" i="0" u="none" strike="noStrike">
+                        <a:solidFill>
+                          <a:srgbClr val="000000"/>
+                        </a:solidFill>
+                        <a:effectLst/>
+                        <a:latin typeface="Calibri" panose="020F0502020204030204" pitchFamily="34" charset="0"/>
+                      </a:endParaRPr>
+                    </a:p>
+                  </a:txBody>
+                  <a:tcPr marL="9525" marR="9525" marT="9525" marB="0" anchor="b"/>
+                </a:tc>
+                <a:tc>
+                  <a:txBody>
+                    <a:bodyPr/>
+                    <a:lstStyle/>
+                    <a:p>
+                      <a:pPr algn="l" fontAlgn="b"/>
+                      <a:r>
+                        <a:rPr lang="de-DE" sz="1100" u="none" strike="noStrike">
+                          <a:effectLst/>
+                        </a:rPr>
+                        <a:t>IFM1: EidI @Raum-02</a:t>
+                      </a:r>
+                      <a:endParaRPr lang="de-DE" sz="1100" b="0" i="0" u="none" strike="noStrike">
+                        <a:solidFill>
+                          <a:srgbClr val="000000"/>
+                        </a:solidFill>
+                        <a:effectLst/>
+                        <a:latin typeface="Calibri" panose="020F0502020204030204" pitchFamily="34" charset="0"/>
+                      </a:endParaRPr>
+                    </a:p>
+                  </a:txBody>
+                  <a:tcPr marL="9525" marR="9525" marT="9525" marB="0" anchor="b"/>
+                </a:tc>
+                <a:tc>
+                  <a:txBody>
+                    <a:bodyPr/>
+                    <a:lstStyle/>
+                    <a:p>
+                      <a:pPr algn="l" fontAlgn="b"/>
+                      <a:r>
+                        <a:rPr lang="de-DE" sz="1100" u="none" strike="noStrike">
+                          <a:effectLst/>
+                        </a:rPr>
+                        <a:t>IFM5: SUZ @Raum-01</a:t>
+                      </a:r>
+                      <a:endParaRPr lang="de-DE" sz="1100" b="0" i="0" u="none" strike="noStrike">
+                        <a:solidFill>
+                          <a:srgbClr val="000000"/>
+                        </a:solidFill>
+                        <a:effectLst/>
+                        <a:latin typeface="Calibri" panose="020F0502020204030204" pitchFamily="34" charset="0"/>
+                      </a:endParaRPr>
+                    </a:p>
+                  </a:txBody>
+                  <a:tcPr marL="9525" marR="9525" marT="9525" marB="0" anchor="b"/>
+                </a:tc>
+                <a:extLst>
+                  <a:ext uri="{0D108BD9-81ED-4DB2-BD59-A6C34878D82A}">
+                    <a16:rowId xmlns:a16="http://schemas.microsoft.com/office/drawing/2014/main" val="1939391183"/>
+                  </a:ext>
+                </a:extLst>
+              </a:tr>
+              <a:tr h="762000">
+                <a:tc>
+                  <a:txBody>
+                    <a:bodyPr/>
+                    <a:lstStyle/>
+                    <a:p>
+                      <a:pPr algn="l" fontAlgn="b"/>
+                      <a:r>
+                        <a:rPr lang="de-DE" sz="1100" u="none" strike="noStrike">
+                          <a:effectLst/>
+                        </a:rPr>
+                        <a:t>12:00 - 14:00</a:t>
+                      </a:r>
+                      <a:endParaRPr lang="de-DE" sz="1100" b="1" i="0" u="none" strike="noStrike">
+                        <a:solidFill>
+                          <a:srgbClr val="000000"/>
+                        </a:solidFill>
+                        <a:effectLst/>
+                        <a:latin typeface="Calibri" panose="020F0502020204030204" pitchFamily="34" charset="0"/>
+                      </a:endParaRPr>
+                    </a:p>
+                  </a:txBody>
+                  <a:tcPr marL="9525" marR="9525" marT="9525" marB="0" anchor="b"/>
+                </a:tc>
+                <a:tc>
+                  <a:txBody>
+                    <a:bodyPr/>
+                    <a:lstStyle/>
+                    <a:p>
+                      <a:pPr algn="l" fontAlgn="b"/>
+                      <a:r>
+                        <a:rPr lang="de-DE" sz="1100" u="none" strike="noStrike" dirty="0">
+                          <a:effectLst/>
+                        </a:rPr>
+                        <a:t>IFM5: Technical Englisch @Raum-02</a:t>
+                      </a:r>
+                      <a:endParaRPr lang="de-DE" sz="1100" b="0" i="0" u="none" strike="noStrike" dirty="0">
+                        <a:solidFill>
+                          <a:srgbClr val="000000"/>
+                        </a:solidFill>
+                        <a:effectLst/>
+                        <a:latin typeface="Calibri" panose="020F0502020204030204" pitchFamily="34" charset="0"/>
+                      </a:endParaRPr>
+                    </a:p>
+                  </a:txBody>
+                  <a:tcPr marL="9525" marR="9525" marT="9525" marB="0" anchor="b"/>
+                </a:tc>
+                <a:tc>
+                  <a:txBody>
+                    <a:bodyPr/>
+                    <a:lstStyle/>
+                    <a:p>
+                      <a:pPr algn="l" fontAlgn="b"/>
+                      <a:r>
+                        <a:rPr lang="de-DE" sz="1100" u="none" strike="noStrike">
+                          <a:effectLst/>
+                        </a:rPr>
+                        <a:t>IFM5: CB @Raum-02</a:t>
+                      </a:r>
+                      <a:endParaRPr lang="de-DE" sz="1100" b="0" i="0" u="none" strike="noStrike">
+                        <a:solidFill>
+                          <a:srgbClr val="000000"/>
+                        </a:solidFill>
+                        <a:effectLst/>
+                        <a:latin typeface="Calibri" panose="020F0502020204030204" pitchFamily="34" charset="0"/>
+                      </a:endParaRPr>
+                    </a:p>
+                  </a:txBody>
+                  <a:tcPr marL="9525" marR="9525" marT="9525" marB="0" anchor="b"/>
+                </a:tc>
+                <a:tc>
+                  <a:txBody>
+                    <a:bodyPr/>
+                    <a:lstStyle/>
+                    <a:p>
+                      <a:pPr algn="l" fontAlgn="b"/>
+                      <a:r>
+                        <a:rPr lang="de-DE" sz="1100" u="none" strike="noStrike" dirty="0">
+                          <a:effectLst/>
+                        </a:rPr>
+                        <a:t>IFM3: ES @Raum-02</a:t>
+                      </a:r>
+                      <a:endParaRPr lang="de-DE" sz="1100" b="0" i="0" u="none" strike="noStrike" dirty="0">
+                        <a:solidFill>
+                          <a:srgbClr val="000000"/>
+                        </a:solidFill>
+                        <a:effectLst/>
+                        <a:latin typeface="Calibri" panose="020F0502020204030204" pitchFamily="34" charset="0"/>
+                      </a:endParaRPr>
+                    </a:p>
+                  </a:txBody>
+                  <a:tcPr marL="9525" marR="9525" marT="9525" marB="0" anchor="b"/>
+                </a:tc>
+                <a:tc>
+                  <a:txBody>
+                    <a:bodyPr/>
+                    <a:lstStyle/>
+                    <a:p>
+                      <a:pPr algn="l" fontAlgn="b"/>
+                      <a:r>
+                        <a:rPr lang="da-DK" sz="1100" u="none" strike="noStrike">
+                          <a:effectLst/>
+                        </a:rPr>
+                        <a:t>IFM3: SPM @Raum-01; IFM5: CV @Raum-02</a:t>
+                      </a:r>
+                      <a:endParaRPr lang="da-DK" sz="1100" b="0" i="0" u="none" strike="noStrike">
+                        <a:solidFill>
+                          <a:srgbClr val="000000"/>
+                        </a:solidFill>
+                        <a:effectLst/>
+                        <a:latin typeface="Calibri" panose="020F0502020204030204" pitchFamily="34" charset="0"/>
+                      </a:endParaRPr>
+                    </a:p>
+                  </a:txBody>
+                  <a:tcPr marL="9525" marR="9525" marT="9525" marB="0" anchor="b"/>
+                </a:tc>
+                <a:tc>
+                  <a:txBody>
+                    <a:bodyPr/>
+                    <a:lstStyle/>
+                    <a:p>
+                      <a:pPr algn="l" fontAlgn="b"/>
+                      <a:r>
+                        <a:rPr lang="de-DE" sz="1100" u="none" strike="noStrike">
+                          <a:effectLst/>
+                        </a:rPr>
+                        <a:t>IFM3: SE @Raum-01</a:t>
+                      </a:r>
+                      <a:endParaRPr lang="de-DE" sz="1100" b="0" i="0" u="none" strike="noStrike">
+                        <a:solidFill>
+                          <a:srgbClr val="000000"/>
+                        </a:solidFill>
+                        <a:effectLst/>
+                        <a:latin typeface="Calibri" panose="020F0502020204030204" pitchFamily="34" charset="0"/>
+                      </a:endParaRPr>
+                    </a:p>
+                  </a:txBody>
+                  <a:tcPr marL="9525" marR="9525" marT="9525" marB="0" anchor="b"/>
+                </a:tc>
+                <a:extLst>
+                  <a:ext uri="{0D108BD9-81ED-4DB2-BD59-A6C34878D82A}">
+                    <a16:rowId xmlns:a16="http://schemas.microsoft.com/office/drawing/2014/main" val="2798585586"/>
+                  </a:ext>
+                </a:extLst>
+              </a:tr>
+              <a:tr h="381000">
+                <a:tc>
+                  <a:txBody>
+                    <a:bodyPr/>
+                    <a:lstStyle/>
+                    <a:p>
+                      <a:pPr algn="l" fontAlgn="b"/>
+                      <a:r>
+                        <a:rPr lang="de-DE" sz="1100" u="none" strike="noStrike">
+                          <a:effectLst/>
+                        </a:rPr>
+                        <a:t>14:00 - 16:00</a:t>
+                      </a:r>
+                      <a:endParaRPr lang="de-DE" sz="1100" b="1" i="0" u="none" strike="noStrike">
+                        <a:solidFill>
+                          <a:srgbClr val="000000"/>
+                        </a:solidFill>
+                        <a:effectLst/>
+                        <a:latin typeface="Calibri" panose="020F0502020204030204" pitchFamily="34" charset="0"/>
+                      </a:endParaRPr>
+                    </a:p>
+                  </a:txBody>
+                  <a:tcPr marL="9525" marR="9525" marT="9525" marB="0" anchor="b"/>
+                </a:tc>
+                <a:tc>
+                  <a:txBody>
+                    <a:bodyPr/>
+                    <a:lstStyle/>
+                    <a:p>
+                      <a:pPr algn="l" fontAlgn="b"/>
+                      <a:r>
+                        <a:rPr lang="en-US" sz="1100" u="none" strike="noStrike">
+                          <a:effectLst/>
+                        </a:rPr>
+                        <a:t>IFM1: EPS @Raum-01; IFM3: DB@Raum-02</a:t>
+                      </a:r>
+                      <a:endParaRPr lang="en-US" sz="1100" b="0" i="0" u="none" strike="noStrike">
+                        <a:solidFill>
+                          <a:srgbClr val="000000"/>
+                        </a:solidFill>
+                        <a:effectLst/>
+                        <a:latin typeface="Calibri" panose="020F0502020204030204" pitchFamily="34" charset="0"/>
+                      </a:endParaRPr>
+                    </a:p>
+                  </a:txBody>
+                  <a:tcPr marL="9525" marR="9525" marT="9525" marB="0" anchor="b"/>
+                </a:tc>
+                <a:tc>
+                  <a:txBody>
+                    <a:bodyPr/>
+                    <a:lstStyle/>
+                    <a:p>
+                      <a:pPr algn="l" fontAlgn="b"/>
+                      <a:r>
+                        <a:rPr lang="de-DE" sz="1100" u="none" strike="noStrike">
+                          <a:effectLst/>
+                        </a:rPr>
+                        <a:t> </a:t>
+                      </a:r>
+                      <a:endParaRPr lang="de-DE" sz="1100" b="0" i="0" u="none" strike="noStrike">
+                        <a:solidFill>
+                          <a:srgbClr val="000000"/>
+                        </a:solidFill>
+                        <a:effectLst/>
+                        <a:latin typeface="Calibri" panose="020F0502020204030204" pitchFamily="34" charset="0"/>
+                      </a:endParaRPr>
+                    </a:p>
+                  </a:txBody>
+                  <a:tcPr marL="9525" marR="9525" marT="9525" marB="0" anchor="b"/>
+                </a:tc>
+                <a:tc>
+                  <a:txBody>
+                    <a:bodyPr/>
+                    <a:lstStyle/>
+                    <a:p>
+                      <a:pPr algn="l" fontAlgn="b"/>
+                      <a:r>
+                        <a:rPr lang="de-DE" sz="1100" u="none" strike="noStrike" dirty="0">
+                          <a:effectLst/>
+                        </a:rPr>
+                        <a:t>IFM1: TI @Raum-01</a:t>
+                      </a:r>
+                      <a:endParaRPr lang="de-DE" sz="1100" b="0" i="0" u="none" strike="noStrike" dirty="0">
+                        <a:solidFill>
+                          <a:srgbClr val="000000"/>
+                        </a:solidFill>
+                        <a:effectLst/>
+                        <a:latin typeface="Calibri" panose="020F0502020204030204" pitchFamily="34" charset="0"/>
+                      </a:endParaRPr>
+                    </a:p>
+                  </a:txBody>
+                  <a:tcPr marL="9525" marR="9525" marT="9525" marB="0" anchor="b"/>
+                </a:tc>
+                <a:tc>
+                  <a:txBody>
+                    <a:bodyPr/>
+                    <a:lstStyle/>
+                    <a:p>
+                      <a:pPr algn="l" fontAlgn="b"/>
+                      <a:r>
+                        <a:rPr lang="de-DE" sz="1100" u="none" strike="noStrike" dirty="0">
+                          <a:effectLst/>
+                        </a:rPr>
+                        <a:t>IFM5: KI @Raum-01</a:t>
+                      </a:r>
+                      <a:endParaRPr lang="de-DE" sz="1100" b="0" i="0" u="none" strike="noStrike" dirty="0">
+                        <a:solidFill>
+                          <a:srgbClr val="000000"/>
+                        </a:solidFill>
+                        <a:effectLst/>
+                        <a:latin typeface="Calibri" panose="020F0502020204030204" pitchFamily="34" charset="0"/>
+                      </a:endParaRPr>
+                    </a:p>
+                  </a:txBody>
+                  <a:tcPr marL="9525" marR="9525" marT="9525" marB="0" anchor="b"/>
+                </a:tc>
+                <a:tc>
+                  <a:txBody>
+                    <a:bodyPr/>
+                    <a:lstStyle/>
+                    <a:p>
+                      <a:pPr algn="l" fontAlgn="b"/>
+                      <a:r>
+                        <a:rPr lang="de-DE" sz="1100" u="none" strike="noStrike">
+                          <a:effectLst/>
+                        </a:rPr>
+                        <a:t>IFM5: WE @Raum-02</a:t>
+                      </a:r>
+                      <a:endParaRPr lang="de-DE" sz="1100" b="0" i="0" u="none" strike="noStrike">
+                        <a:solidFill>
+                          <a:srgbClr val="000000"/>
+                        </a:solidFill>
+                        <a:effectLst/>
+                        <a:latin typeface="Calibri" panose="020F0502020204030204" pitchFamily="34" charset="0"/>
+                      </a:endParaRPr>
+                    </a:p>
+                  </a:txBody>
+                  <a:tcPr marL="9525" marR="9525" marT="9525" marB="0" anchor="b"/>
+                </a:tc>
+                <a:extLst>
+                  <a:ext uri="{0D108BD9-81ED-4DB2-BD59-A6C34878D82A}">
+                    <a16:rowId xmlns:a16="http://schemas.microsoft.com/office/drawing/2014/main" val="3863295364"/>
+                  </a:ext>
+                </a:extLst>
+              </a:tr>
+              <a:tr h="190500">
+                <a:tc>
+                  <a:txBody>
+                    <a:bodyPr/>
+                    <a:lstStyle/>
+                    <a:p>
+                      <a:pPr algn="l" fontAlgn="b"/>
+                      <a:r>
+                        <a:rPr lang="de-DE" sz="1100" u="none" strike="noStrike">
+                          <a:effectLst/>
+                        </a:rPr>
+                        <a:t>16:00 - 18:00</a:t>
+                      </a:r>
+                      <a:endParaRPr lang="de-DE" sz="1100" b="1" i="0" u="none" strike="noStrike">
+                        <a:solidFill>
+                          <a:srgbClr val="000000"/>
+                        </a:solidFill>
+                        <a:effectLst/>
+                        <a:latin typeface="Calibri" panose="020F0502020204030204" pitchFamily="34" charset="0"/>
+                      </a:endParaRPr>
+                    </a:p>
+                  </a:txBody>
+                  <a:tcPr marL="9525" marR="9525" marT="9525" marB="0" anchor="b"/>
+                </a:tc>
+                <a:tc>
+                  <a:txBody>
+                    <a:bodyPr/>
+                    <a:lstStyle/>
+                    <a:p>
+                      <a:pPr algn="l" fontAlgn="b"/>
+                      <a:r>
+                        <a:rPr lang="de-DE" sz="1100" u="none" strike="noStrike">
+                          <a:effectLst/>
+                        </a:rPr>
+                        <a:t>-</a:t>
+                      </a:r>
+                      <a:endParaRPr lang="de-DE" sz="1100" b="0" i="0" u="none" strike="noStrike">
+                        <a:solidFill>
+                          <a:srgbClr val="000000"/>
+                        </a:solidFill>
+                        <a:effectLst/>
+                        <a:latin typeface="Calibri" panose="020F0502020204030204" pitchFamily="34" charset="0"/>
+                      </a:endParaRPr>
+                    </a:p>
+                  </a:txBody>
+                  <a:tcPr marL="9525" marR="9525" marT="9525" marB="0" anchor="b"/>
+                </a:tc>
+                <a:tc>
+                  <a:txBody>
+                    <a:bodyPr/>
+                    <a:lstStyle/>
+                    <a:p>
+                      <a:pPr algn="l" fontAlgn="b"/>
+                      <a:r>
+                        <a:rPr lang="de-DE" sz="1100" u="none" strike="noStrike">
+                          <a:effectLst/>
+                        </a:rPr>
+                        <a:t>-</a:t>
+                      </a:r>
+                      <a:endParaRPr lang="de-DE" sz="1100" b="0" i="0" u="none" strike="noStrike">
+                        <a:solidFill>
+                          <a:srgbClr val="000000"/>
+                        </a:solidFill>
+                        <a:effectLst/>
+                        <a:latin typeface="Calibri" panose="020F0502020204030204" pitchFamily="34" charset="0"/>
+                      </a:endParaRPr>
+                    </a:p>
+                  </a:txBody>
+                  <a:tcPr marL="9525" marR="9525" marT="9525" marB="0" anchor="b"/>
+                </a:tc>
+                <a:tc>
+                  <a:txBody>
+                    <a:bodyPr/>
+                    <a:lstStyle/>
+                    <a:p>
+                      <a:pPr algn="l" fontAlgn="b"/>
+                      <a:r>
+                        <a:rPr lang="de-DE" sz="1100" u="none" strike="noStrike">
+                          <a:effectLst/>
+                        </a:rPr>
+                        <a:t>-</a:t>
+                      </a:r>
+                      <a:endParaRPr lang="de-DE" sz="1100" b="0" i="0" u="none" strike="noStrike">
+                        <a:solidFill>
+                          <a:srgbClr val="000000"/>
+                        </a:solidFill>
+                        <a:effectLst/>
+                        <a:latin typeface="Calibri" panose="020F0502020204030204" pitchFamily="34" charset="0"/>
+                      </a:endParaRPr>
+                    </a:p>
+                  </a:txBody>
+                  <a:tcPr marL="9525" marR="9525" marT="9525" marB="0" anchor="b"/>
+                </a:tc>
+                <a:tc>
+                  <a:txBody>
+                    <a:bodyPr/>
+                    <a:lstStyle/>
+                    <a:p>
+                      <a:pPr algn="l" fontAlgn="b"/>
+                      <a:r>
+                        <a:rPr lang="de-DE" sz="1100" u="none" strike="noStrike">
+                          <a:effectLst/>
+                        </a:rPr>
+                        <a:t>-</a:t>
+                      </a:r>
+                      <a:endParaRPr lang="de-DE" sz="1100" b="0" i="0" u="none" strike="noStrike">
+                        <a:solidFill>
+                          <a:srgbClr val="000000"/>
+                        </a:solidFill>
+                        <a:effectLst/>
+                        <a:latin typeface="Calibri" panose="020F0502020204030204" pitchFamily="34" charset="0"/>
+                      </a:endParaRPr>
+                    </a:p>
+                  </a:txBody>
+                  <a:tcPr marL="9525" marR="9525" marT="9525" marB="0" anchor="b"/>
+                </a:tc>
+                <a:tc>
+                  <a:txBody>
+                    <a:bodyPr/>
+                    <a:lstStyle/>
+                    <a:p>
+                      <a:pPr algn="l" fontAlgn="b"/>
+                      <a:r>
+                        <a:rPr lang="de-DE" sz="1100" u="none" strike="noStrike">
+                          <a:effectLst/>
+                        </a:rPr>
+                        <a:t>-</a:t>
+                      </a:r>
+                      <a:endParaRPr lang="de-DE" sz="1100" b="0" i="0" u="none" strike="noStrike">
+                        <a:solidFill>
+                          <a:srgbClr val="000000"/>
+                        </a:solidFill>
+                        <a:effectLst/>
+                        <a:latin typeface="Calibri" panose="020F0502020204030204" pitchFamily="34" charset="0"/>
+                      </a:endParaRPr>
+                    </a:p>
+                  </a:txBody>
+                  <a:tcPr marL="9525" marR="9525" marT="9525" marB="0" anchor="b"/>
+                </a:tc>
+                <a:extLst>
+                  <a:ext uri="{0D108BD9-81ED-4DB2-BD59-A6C34878D82A}">
+                    <a16:rowId xmlns:a16="http://schemas.microsoft.com/office/drawing/2014/main" val="4179152482"/>
+                  </a:ext>
+                </a:extLst>
+              </a:tr>
+              <a:tr h="190500">
+                <a:tc>
+                  <a:txBody>
+                    <a:bodyPr/>
+                    <a:lstStyle/>
+                    <a:p>
+                      <a:pPr algn="l" fontAlgn="b"/>
+                      <a:r>
+                        <a:rPr lang="de-DE" sz="1100" u="none" strike="noStrike">
+                          <a:effectLst/>
+                        </a:rPr>
+                        <a:t>18:00 - 20:00</a:t>
+                      </a:r>
+                      <a:endParaRPr lang="de-DE" sz="1100" b="1" i="0" u="none" strike="noStrike">
+                        <a:solidFill>
+                          <a:srgbClr val="000000"/>
+                        </a:solidFill>
+                        <a:effectLst/>
+                        <a:latin typeface="Calibri" panose="020F0502020204030204" pitchFamily="34" charset="0"/>
+                      </a:endParaRPr>
+                    </a:p>
+                  </a:txBody>
+                  <a:tcPr marL="9525" marR="9525" marT="9525" marB="0" anchor="b"/>
+                </a:tc>
+                <a:tc>
+                  <a:txBody>
+                    <a:bodyPr/>
+                    <a:lstStyle/>
+                    <a:p>
+                      <a:pPr algn="l" fontAlgn="b"/>
+                      <a:r>
+                        <a:rPr lang="de-DE" sz="1100" u="none" strike="noStrike">
+                          <a:effectLst/>
+                        </a:rPr>
+                        <a:t>-</a:t>
+                      </a:r>
+                      <a:endParaRPr lang="de-DE" sz="1100" b="0" i="0" u="none" strike="noStrike">
+                        <a:solidFill>
+                          <a:srgbClr val="000000"/>
+                        </a:solidFill>
+                        <a:effectLst/>
+                        <a:latin typeface="Calibri" panose="020F0502020204030204" pitchFamily="34" charset="0"/>
+                      </a:endParaRPr>
+                    </a:p>
+                  </a:txBody>
+                  <a:tcPr marL="9525" marR="9525" marT="9525" marB="0" anchor="b"/>
+                </a:tc>
+                <a:tc>
+                  <a:txBody>
+                    <a:bodyPr/>
+                    <a:lstStyle/>
+                    <a:p>
+                      <a:pPr algn="l" fontAlgn="b"/>
+                      <a:r>
+                        <a:rPr lang="de-DE" sz="1100" u="none" strike="noStrike">
+                          <a:effectLst/>
+                        </a:rPr>
+                        <a:t>-</a:t>
+                      </a:r>
+                      <a:endParaRPr lang="de-DE" sz="1100" b="0" i="0" u="none" strike="noStrike">
+                        <a:solidFill>
+                          <a:srgbClr val="000000"/>
+                        </a:solidFill>
+                        <a:effectLst/>
+                        <a:latin typeface="Calibri" panose="020F0502020204030204" pitchFamily="34" charset="0"/>
+                      </a:endParaRPr>
+                    </a:p>
+                  </a:txBody>
+                  <a:tcPr marL="9525" marR="9525" marT="9525" marB="0" anchor="b"/>
+                </a:tc>
+                <a:tc>
+                  <a:txBody>
+                    <a:bodyPr/>
+                    <a:lstStyle/>
+                    <a:p>
+                      <a:pPr algn="l" fontAlgn="b"/>
+                      <a:r>
+                        <a:rPr lang="de-DE" sz="1100" u="none" strike="noStrike">
+                          <a:effectLst/>
+                        </a:rPr>
+                        <a:t>-</a:t>
+                      </a:r>
+                      <a:endParaRPr lang="de-DE" sz="1100" b="0" i="0" u="none" strike="noStrike">
+                        <a:solidFill>
+                          <a:srgbClr val="000000"/>
+                        </a:solidFill>
+                        <a:effectLst/>
+                        <a:latin typeface="Calibri" panose="020F0502020204030204" pitchFamily="34" charset="0"/>
+                      </a:endParaRPr>
+                    </a:p>
+                  </a:txBody>
+                  <a:tcPr marL="9525" marR="9525" marT="9525" marB="0" anchor="b"/>
+                </a:tc>
+                <a:tc>
+                  <a:txBody>
+                    <a:bodyPr/>
+                    <a:lstStyle/>
+                    <a:p>
+                      <a:pPr algn="l" fontAlgn="b"/>
+                      <a:r>
+                        <a:rPr lang="de-DE" sz="1100" u="none" strike="noStrike">
+                          <a:effectLst/>
+                        </a:rPr>
+                        <a:t>-</a:t>
+                      </a:r>
+                      <a:endParaRPr lang="de-DE" sz="1100" b="0" i="0" u="none" strike="noStrike">
+                        <a:solidFill>
+                          <a:srgbClr val="000000"/>
+                        </a:solidFill>
+                        <a:effectLst/>
+                        <a:latin typeface="Calibri" panose="020F0502020204030204" pitchFamily="34" charset="0"/>
+                      </a:endParaRPr>
+                    </a:p>
+                  </a:txBody>
+                  <a:tcPr marL="9525" marR="9525" marT="9525" marB="0" anchor="b"/>
+                </a:tc>
+                <a:tc>
+                  <a:txBody>
+                    <a:bodyPr/>
+                    <a:lstStyle/>
+                    <a:p>
+                      <a:pPr algn="l" fontAlgn="b"/>
+                      <a:r>
+                        <a:rPr lang="de-DE" sz="1100" u="none" strike="noStrike" dirty="0">
+                          <a:effectLst/>
+                        </a:rPr>
+                        <a:t>-</a:t>
+                      </a:r>
+                      <a:endParaRPr lang="de-DE" sz="1100" b="0" i="0" u="none" strike="noStrike" dirty="0">
+                        <a:solidFill>
+                          <a:srgbClr val="000000"/>
+                        </a:solidFill>
+                        <a:effectLst/>
+                        <a:latin typeface="Calibri" panose="020F0502020204030204" pitchFamily="34" charset="0"/>
+                      </a:endParaRPr>
+                    </a:p>
+                  </a:txBody>
+                  <a:tcPr marL="9525" marR="9525" marT="9525" marB="0" anchor="b"/>
+                </a:tc>
+                <a:extLst>
+                  <a:ext uri="{0D108BD9-81ED-4DB2-BD59-A6C34878D82A}">
+                    <a16:rowId xmlns:a16="http://schemas.microsoft.com/office/drawing/2014/main" val="1374984471"/>
+                  </a:ext>
+                </a:extLst>
+              </a:tr>
+            </a:tbl>
+          </a:graphicData>
+        </a:graphic>
+      </p:graphicFrame>
+      <p:sp>
+        <p:nvSpPr>
+          <p:cNvPr id="37" name="Textfeld 36">
+            <a:extLst>
+              <a:ext uri="{FF2B5EF4-FFF2-40B4-BE49-F238E27FC236}">
+                <a16:creationId xmlns:a16="http://schemas.microsoft.com/office/drawing/2014/main" id="{92DB35CE-B6D0-CFCB-1E71-3A3D70EDC215}"/>
+              </a:ext>
+            </a:extLst>
+          </p:cNvPr>
+          <p:cNvSpPr txBox="1"/>
           <p:nvPr/>
         </p:nvSpPr>
         <p:spPr>
           <a:xfrm>
-            <a:off x="15080815" y="7822085"/>
-            <a:ext cx="5466456" cy="328523"/>
+            <a:off x="14475418" y="9169186"/>
+            <a:ext cx="1768433" cy="369332"/>
           </a:xfrm>
           <a:prstGeom prst="rect">
             <a:avLst/>
           </a:prstGeom>
-          <a:solidFill>
-            <a:schemeClr val="bg1">
-              <a:lumMod val="75000"/>
-            </a:schemeClr>
-          </a:solidFill>
-          <a:ln>
-            <a:noFill/>
-          </a:ln>
+          <a:noFill/>
         </p:spPr>
-        <p:style>
-          <a:lnRef idx="2">
-            <a:schemeClr val="accent1">
-              <a:shade val="50000"/>
-            </a:schemeClr>
-          </a:lnRef>
-          <a:fillRef idx="1">
-            <a:schemeClr val="accent1"/>
-          </a:fillRef>
-          <a:effectRef idx="0">
-            <a:schemeClr val="accent1"/>
-          </a:effectRef>
-          <a:fontRef idx="minor">
-            <a:schemeClr val="lt1"/>
-          </a:fontRef>
-        </p:style>
         <p:txBody>
-          <a:bodyPr rtlCol="0" anchor="ctr"/>
+          <a:bodyPr wrap="none" rtlCol="0">
+            <a:spAutoFit/>
+          </a:bodyPr>
           <a:lstStyle/>
           <a:p>
-            <a:pPr algn="ctr"/>
-            <a:r>
-              <a:rPr lang="de-DE" sz="900" dirty="0"/>
-              <a:t>Max. Räume: 10, Mutationsrate: 75%, Pop. Größe: 20 =&gt; Beste Lösung: 25 (</a:t>
-            </a:r>
-            <a:r>
-              <a:rPr lang="de-DE" sz="900"/>
-              <a:t>5 Räume)</a:t>
-            </a:r>
-            <a:endParaRPr lang="de-DE" sz="900" dirty="0"/>
+            <a:r>
+              <a:rPr lang="de-DE" dirty="0">
+                <a:solidFill>
+                  <a:schemeClr val="bg1"/>
+                </a:solidFill>
+              </a:rPr>
+              <a:t>Mögliche Lösung</a:t>
+            </a:r>
           </a:p>
         </p:txBody>
       </p:sp>
-      <p:pic>
-        <p:nvPicPr>
-          <p:cNvPr id="77" name="Grafik 76" descr="Ein Bild, das Text enthält.&#10;&#10;Automatisch generierte Beschreibung">
+      <p:sp>
+        <p:nvSpPr>
+          <p:cNvPr id="38" name="Textfeld 37">
             <a:extLst>
               <a:ext uri="{FF2B5EF4-FFF2-40B4-BE49-F238E27FC236}">
-                <a16:creationId xmlns:a16="http://schemas.microsoft.com/office/drawing/2014/main" id="{7ACB4EE0-9C06-1302-15CE-AD65874EE325}"/>
+                <a16:creationId xmlns:a16="http://schemas.microsoft.com/office/drawing/2014/main" id="{C74E3AA8-4BED-1C44-9807-5BA8999119E4}"/>
               </a:ext>
             </a:extLst>
           </p:cNvPr>
-          <p:cNvPicPr>
-            <a:picLocks noChangeAspect="1"/>
-          </p:cNvPicPr>
+          <p:cNvSpPr txBox="1"/>
           <p:nvPr/>
-        </p:nvPicPr>
-        <p:blipFill>
-          <a:blip r:embed="rId8">
-            <a:extLst>
-              <a:ext uri="{28A0092B-C50C-407E-A947-70E740481C1C}">
-                <a14:useLocalDpi xmlns:a14="http://schemas.microsoft.com/office/drawing/2010/main" val="0"/>
-              </a:ext>
-            </a:extLst>
-          </a:blip>
-          <a:stretch>
-            <a:fillRect/>
-          </a:stretch>
-        </p:blipFill>
+        </p:nvSpPr>
         <p:spPr>
           <a:xfrm>
-            <a:off x="15081553" y="4935725"/>
-            <a:ext cx="5465718" cy="2901600"/>
+            <a:off x="19640467" y="2021724"/>
+            <a:ext cx="1713827" cy="1323439"/>
           </a:xfrm>
           <a:prstGeom prst="rect">
             <a:avLst/>
           </a:prstGeom>
+          <a:noFill/>
         </p:spPr>
-      </p:pic>
+        <p:txBody>
+          <a:bodyPr wrap="square" rtlCol="0">
+            <a:spAutoFit/>
+          </a:bodyPr>
+          <a:lstStyle/>
+          <a:p>
+            <a:pPr marL="285750" indent="-285750">
+              <a:buFontTx/>
+              <a:buChar char="-"/>
+            </a:pPr>
+            <a:r>
+              <a:rPr lang="de-DE" sz="1600" dirty="0">
+                <a:solidFill>
+                  <a:schemeClr val="bg1"/>
+                </a:solidFill>
+              </a:rPr>
+              <a:t>Hohe Mutationsrate</a:t>
+            </a:r>
+          </a:p>
+          <a:p>
+            <a:pPr marL="285750" indent="-285750">
+              <a:buFontTx/>
+              <a:buChar char="-"/>
+            </a:pPr>
+            <a:r>
+              <a:rPr lang="de-DE" sz="1600" dirty="0">
+                <a:solidFill>
+                  <a:schemeClr val="bg1"/>
+                </a:solidFill>
+              </a:rPr>
+              <a:t>Kleine </a:t>
+            </a:r>
+            <a:r>
+              <a:rPr lang="de-DE" sz="1600" dirty="0" err="1">
+                <a:solidFill>
+                  <a:schemeClr val="bg1"/>
+                </a:solidFill>
+              </a:rPr>
+              <a:t>Popu-lation</a:t>
+            </a:r>
+            <a:endParaRPr lang="de-DE" sz="1600" dirty="0">
+              <a:solidFill>
+                <a:schemeClr val="bg1"/>
+              </a:solidFill>
+            </a:endParaRPr>
+          </a:p>
+          <a:p>
+            <a:pPr marL="285750" indent="-285750">
+              <a:buFontTx/>
+              <a:buChar char="-"/>
+            </a:pPr>
+            <a:endParaRPr lang="de-DE" sz="1600" dirty="0">
+              <a:solidFill>
+                <a:schemeClr val="bg1"/>
+              </a:solidFill>
+            </a:endParaRPr>
+          </a:p>
+        </p:txBody>
+      </p:sp>
+      <p:sp>
+        <p:nvSpPr>
+          <p:cNvPr id="39" name="Textfeld 38">
+            <a:extLst>
+              <a:ext uri="{FF2B5EF4-FFF2-40B4-BE49-F238E27FC236}">
+                <a16:creationId xmlns:a16="http://schemas.microsoft.com/office/drawing/2014/main" id="{E0C29B83-798A-0E38-8F49-C72DED860901}"/>
+              </a:ext>
+            </a:extLst>
+          </p:cNvPr>
+          <p:cNvSpPr txBox="1"/>
+          <p:nvPr/>
+        </p:nvSpPr>
+        <p:spPr>
+          <a:xfrm>
+            <a:off x="19702148" y="4862965"/>
+            <a:ext cx="1713827" cy="1323439"/>
+          </a:xfrm>
+          <a:prstGeom prst="rect">
+            <a:avLst/>
+          </a:prstGeom>
+          <a:noFill/>
+        </p:spPr>
+        <p:txBody>
+          <a:bodyPr wrap="square" rtlCol="0">
+            <a:spAutoFit/>
+          </a:bodyPr>
+          <a:lstStyle/>
+          <a:p>
+            <a:pPr marL="285750" indent="-285750">
+              <a:buFontTx/>
+              <a:buChar char="-"/>
+            </a:pPr>
+            <a:r>
+              <a:rPr lang="de-DE" sz="1600" dirty="0">
+                <a:solidFill>
+                  <a:schemeClr val="bg1"/>
+                </a:solidFill>
+              </a:rPr>
+              <a:t>Niedrige Mutationsrate</a:t>
+            </a:r>
+          </a:p>
+          <a:p>
+            <a:pPr marL="285750" indent="-285750">
+              <a:buFontTx/>
+              <a:buChar char="-"/>
+            </a:pPr>
+            <a:r>
+              <a:rPr lang="de-DE" sz="1600" dirty="0">
+                <a:solidFill>
+                  <a:schemeClr val="bg1"/>
+                </a:solidFill>
+              </a:rPr>
+              <a:t>Kleine </a:t>
+            </a:r>
+            <a:r>
+              <a:rPr lang="de-DE" sz="1600" dirty="0" err="1">
+                <a:solidFill>
+                  <a:schemeClr val="bg1"/>
+                </a:solidFill>
+              </a:rPr>
+              <a:t>Popu-lation</a:t>
+            </a:r>
+            <a:endParaRPr lang="de-DE" sz="1600" dirty="0">
+              <a:solidFill>
+                <a:schemeClr val="bg1"/>
+              </a:solidFill>
+            </a:endParaRPr>
+          </a:p>
+          <a:p>
+            <a:pPr marL="285750" indent="-285750">
+              <a:buFontTx/>
+              <a:buChar char="-"/>
+            </a:pPr>
+            <a:endParaRPr lang="de-DE" sz="1600" dirty="0">
+              <a:solidFill>
+                <a:schemeClr val="bg1"/>
+              </a:solidFill>
+            </a:endParaRPr>
+          </a:p>
+        </p:txBody>
+      </p:sp>
+      <p:grpSp>
+        <p:nvGrpSpPr>
+          <p:cNvPr id="41" name="Group 29">
+            <a:extLst>
+              <a:ext uri="{FF2B5EF4-FFF2-40B4-BE49-F238E27FC236}">
+                <a16:creationId xmlns:a16="http://schemas.microsoft.com/office/drawing/2014/main" id="{B7FABD64-21FC-E862-25EE-6056DB737FDD}"/>
+              </a:ext>
+            </a:extLst>
+          </p:cNvPr>
+          <p:cNvGrpSpPr/>
+          <p:nvPr/>
+        </p:nvGrpSpPr>
+        <p:grpSpPr>
+          <a:xfrm>
+            <a:off x="14632879" y="9736147"/>
+            <a:ext cx="6562263" cy="605693"/>
+            <a:chOff x="1132840" y="5992345"/>
+            <a:chExt cx="13140374" cy="1212849"/>
+          </a:xfrm>
+        </p:grpSpPr>
+        <p:sp>
+          <p:nvSpPr>
+            <p:cNvPr id="44" name="Rectangle 30">
+              <a:extLst>
+                <a:ext uri="{FF2B5EF4-FFF2-40B4-BE49-F238E27FC236}">
+                  <a16:creationId xmlns:a16="http://schemas.microsoft.com/office/drawing/2014/main" id="{DF6A9973-6851-FFC3-321F-85A1E3156479}"/>
+                </a:ext>
+              </a:extLst>
+            </p:cNvPr>
+            <p:cNvSpPr/>
+            <p:nvPr/>
+          </p:nvSpPr>
+          <p:spPr>
+            <a:xfrm>
+              <a:off x="1132840" y="6012665"/>
+              <a:ext cx="13140374" cy="1192529"/>
+            </a:xfrm>
+            <a:prstGeom prst="rect">
+              <a:avLst/>
+            </a:prstGeom>
+            <a:noFill/>
+            <a:ln w="50800" cap="sq" cmpd="sng" algn="ctr">
+              <a:noFill/>
+              <a:prstDash val="solid"/>
+              <a:miter lim="800000"/>
+            </a:ln>
+            <a:effectLst/>
+          </p:spPr>
+          <p:txBody>
+            <a:bodyPr rot="0" spcFirstLastPara="0" vertOverflow="overflow" horzOverflow="overflow" vert="horz" wrap="square" lIns="179783" tIns="0" rIns="179783" bIns="0" numCol="1" spcCol="0" rtlCol="0" fromWordArt="0" anchor="ctr" anchorCtr="0" forceAA="0" compatLnSpc="1">
+              <a:prstTxWarp prst="textNoShape">
+                <a:avLst/>
+              </a:prstTxWarp>
+              <a:normAutofit/>
+            </a:bodyPr>
+            <a:lstStyle/>
+            <a:p>
+              <a:pPr defTabSz="874705">
+                <a:defRPr/>
+              </a:pPr>
+              <a:r>
+                <a:rPr lang="en-GB" sz="2996" b="1" kern="0" dirty="0" err="1">
+                  <a:solidFill>
+                    <a:schemeClr val="bg1"/>
+                  </a:solidFill>
+                  <a:latin typeface="Poppins" panose="00000500000000000000" pitchFamily="2" charset="0"/>
+                  <a:cs typeface="Poppins" panose="00000500000000000000" pitchFamily="2" charset="0"/>
+                </a:rPr>
+                <a:t>Auswertung</a:t>
+              </a:r>
+              <a:endParaRPr lang="en-GB" sz="2996" b="1" kern="0" dirty="0">
+                <a:solidFill>
+                  <a:schemeClr val="bg1"/>
+                </a:solidFill>
+                <a:latin typeface="Poppins" panose="00000500000000000000" pitchFamily="2" charset="0"/>
+                <a:cs typeface="Poppins" panose="00000500000000000000" pitchFamily="2" charset="0"/>
+              </a:endParaRPr>
+            </a:p>
+          </p:txBody>
+        </p:sp>
+        <p:cxnSp>
+          <p:nvCxnSpPr>
+            <p:cNvPr id="45" name="Straight Connector 31">
+              <a:extLst>
+                <a:ext uri="{FF2B5EF4-FFF2-40B4-BE49-F238E27FC236}">
+                  <a16:creationId xmlns:a16="http://schemas.microsoft.com/office/drawing/2014/main" id="{D3CC1020-E049-6125-9B9A-FEE868E08C3F}"/>
+                </a:ext>
+              </a:extLst>
+            </p:cNvPr>
+            <p:cNvCxnSpPr>
+              <a:cxnSpLocks/>
+            </p:cNvCxnSpPr>
+            <p:nvPr/>
+          </p:nvCxnSpPr>
+          <p:spPr>
+            <a:xfrm flipH="1">
+              <a:off x="1219326" y="5992345"/>
+              <a:ext cx="0" cy="1192529"/>
+            </a:xfrm>
+            <a:prstGeom prst="line">
+              <a:avLst/>
+            </a:prstGeom>
+            <a:noFill/>
+            <a:ln w="165100" cap="flat" cmpd="sng" algn="ctr">
+              <a:solidFill>
+                <a:schemeClr val="bg1"/>
+              </a:solidFill>
+              <a:prstDash val="solid"/>
+              <a:miter lim="800000"/>
+              <a:headEnd type="none" w="lg" len="med"/>
+              <a:tailEnd type="none" w="lg" len="med"/>
+            </a:ln>
+            <a:effectLst/>
+          </p:spPr>
+        </p:cxnSp>
+      </p:grpSp>
+      <p:sp>
+        <p:nvSpPr>
+          <p:cNvPr id="46" name="Textfeld 45">
+            <a:extLst>
+              <a:ext uri="{FF2B5EF4-FFF2-40B4-BE49-F238E27FC236}">
+                <a16:creationId xmlns:a16="http://schemas.microsoft.com/office/drawing/2014/main" id="{344CFAA9-F6C6-0075-867E-3B9AB33D47B5}"/>
+              </a:ext>
+            </a:extLst>
+          </p:cNvPr>
+          <p:cNvSpPr txBox="1"/>
+          <p:nvPr/>
+        </p:nvSpPr>
+        <p:spPr>
+          <a:xfrm>
+            <a:off x="14583704" y="10503876"/>
+            <a:ext cx="6026514" cy="4247317"/>
+          </a:xfrm>
+          <a:prstGeom prst="rect">
+            <a:avLst/>
+          </a:prstGeom>
+          <a:noFill/>
+        </p:spPr>
+        <p:txBody>
+          <a:bodyPr wrap="square" rtlCol="0">
+            <a:spAutoFit/>
+          </a:bodyPr>
+          <a:lstStyle/>
+          <a:p>
+            <a:pPr marL="285750" indent="-285750">
+              <a:buFontTx/>
+              <a:buChar char="-"/>
+            </a:pPr>
+            <a:r>
+              <a:rPr lang="de-DE" dirty="0">
+                <a:solidFill>
+                  <a:schemeClr val="bg1"/>
+                </a:solidFill>
+              </a:rPr>
+              <a:t>(Zu) Hohe Mutationsrate</a:t>
+            </a:r>
+          </a:p>
+          <a:p>
+            <a:pPr marL="742950" lvl="1" indent="-285750">
+              <a:buFontTx/>
+              <a:buChar char="-"/>
+            </a:pPr>
+            <a:r>
+              <a:rPr lang="de-DE" dirty="0">
+                <a:solidFill>
+                  <a:schemeClr val="bg1"/>
+                </a:solidFill>
+              </a:rPr>
+              <a:t>Führt zu Rauschen</a:t>
+            </a:r>
+          </a:p>
+          <a:p>
+            <a:pPr marL="742950" lvl="1" indent="-285750">
+              <a:buFontTx/>
+              <a:buChar char="-"/>
+            </a:pPr>
+            <a:r>
+              <a:rPr lang="de-DE" dirty="0">
+                <a:solidFill>
+                  <a:schemeClr val="bg1"/>
+                </a:solidFill>
+              </a:rPr>
+              <a:t>Annäherung an das Ziel nur langsam/schwach</a:t>
+            </a:r>
+          </a:p>
+          <a:p>
+            <a:pPr marL="742950" lvl="1" indent="-285750">
+              <a:buFontTx/>
+              <a:buChar char="-"/>
+            </a:pPr>
+            <a:r>
+              <a:rPr lang="de-DE" dirty="0">
+                <a:solidFill>
+                  <a:schemeClr val="bg1"/>
+                </a:solidFill>
+              </a:rPr>
+              <a:t>Viele Durchläufe nötig um „perfektes“ Ergebnis zu finden</a:t>
+            </a:r>
+          </a:p>
+          <a:p>
+            <a:pPr marL="285750" indent="-285750">
+              <a:buFontTx/>
+              <a:buChar char="-"/>
+            </a:pPr>
+            <a:r>
+              <a:rPr lang="de-DE" dirty="0">
+                <a:solidFill>
+                  <a:schemeClr val="bg1"/>
+                </a:solidFill>
+              </a:rPr>
+              <a:t>Angemessene/Niedrige Mutationsrate</a:t>
+            </a:r>
+          </a:p>
+          <a:p>
+            <a:pPr marL="742950" lvl="1" indent="-285750">
+              <a:buFontTx/>
+              <a:buChar char="-"/>
+            </a:pPr>
+            <a:r>
+              <a:rPr lang="de-DE" dirty="0">
+                <a:solidFill>
+                  <a:schemeClr val="bg1"/>
+                </a:solidFill>
+              </a:rPr>
+              <a:t>Schnelle, starke Annäherung an das Ziel</a:t>
+            </a:r>
+          </a:p>
+          <a:p>
+            <a:pPr marL="742950" lvl="1" indent="-285750">
+              <a:buFontTx/>
+              <a:buChar char="-"/>
+            </a:pPr>
+            <a:r>
+              <a:rPr lang="de-DE" dirty="0">
+                <a:solidFill>
+                  <a:schemeClr val="bg1"/>
+                </a:solidFill>
+              </a:rPr>
+              <a:t>Schwächeres Rauschen</a:t>
+            </a:r>
+          </a:p>
+          <a:p>
+            <a:pPr marL="742950" lvl="1" indent="-285750">
+              <a:buFontTx/>
+              <a:buChar char="-"/>
+            </a:pPr>
+            <a:r>
+              <a:rPr lang="de-DE" dirty="0">
+                <a:solidFill>
+                  <a:schemeClr val="bg1"/>
+                </a:solidFill>
+              </a:rPr>
+              <a:t>Bei diesem Problem: meist unter 100 Generationen notwendig</a:t>
+            </a:r>
+          </a:p>
+          <a:p>
+            <a:pPr marL="285750" indent="-285750">
+              <a:buFontTx/>
+              <a:buChar char="-"/>
+            </a:pPr>
+            <a:r>
+              <a:rPr lang="de-DE" dirty="0">
+                <a:solidFill>
+                  <a:schemeClr val="bg1"/>
+                </a:solidFill>
+              </a:rPr>
+              <a:t>Populationsgröße</a:t>
+            </a:r>
+          </a:p>
+          <a:p>
+            <a:pPr marL="742950" lvl="1" indent="-285750">
+              <a:buFontTx/>
+              <a:buChar char="-"/>
+            </a:pPr>
+            <a:r>
+              <a:rPr lang="de-DE" dirty="0">
+                <a:solidFill>
+                  <a:schemeClr val="bg1"/>
+                </a:solidFill>
+              </a:rPr>
+              <a:t>Nur von geringer Relevanz</a:t>
+            </a:r>
+          </a:p>
+          <a:p>
+            <a:pPr marL="742950" lvl="1" indent="-285750">
+              <a:buFontTx/>
+              <a:buChar char="-"/>
+            </a:pPr>
+            <a:r>
+              <a:rPr lang="de-DE" dirty="0">
+                <a:solidFill>
+                  <a:schemeClr val="bg1"/>
+                </a:solidFill>
+              </a:rPr>
+              <a:t>Verringert nur die Anzahl an Durchläufen, da mehr Kombinationen getestet werden</a:t>
+            </a:r>
+          </a:p>
+          <a:p>
+            <a:pPr marL="285750" indent="-285750">
+              <a:buFontTx/>
+              <a:buChar char="-"/>
+            </a:pPr>
+            <a:endParaRPr lang="de-DE" dirty="0">
+              <a:solidFill>
+                <a:schemeClr val="bg1"/>
+              </a:solidFill>
+            </a:endParaRPr>
+          </a:p>
+        </p:txBody>
+      </p:sp>
     </p:spTree>
     <p:extLst>
       <p:ext uri="{BB962C8B-B14F-4D97-AF65-F5344CB8AC3E}">
